--- a/Workshop 4: Polynomial Regression/Presentation.pptx
+++ b/Workshop 4: Polynomial Regression/Presentation.pptx
@@ -14,14 +14,13 @@
     <p:sldId id="264" r:id="rId8"/>
     <p:sldId id="266" r:id="rId9"/>
     <p:sldId id="267" r:id="rId10"/>
-    <p:sldId id="268" r:id="rId11"/>
-    <p:sldId id="269" r:id="rId12"/>
-    <p:sldId id="270" r:id="rId13"/>
-    <p:sldId id="271" r:id="rId14"/>
-    <p:sldId id="272" r:id="rId15"/>
-    <p:sldId id="273" r:id="rId16"/>
-    <p:sldId id="276" r:id="rId17"/>
-    <p:sldId id="278" r:id="rId18"/>
+    <p:sldId id="269" r:id="rId11"/>
+    <p:sldId id="270" r:id="rId12"/>
+    <p:sldId id="271" r:id="rId13"/>
+    <p:sldId id="272" r:id="rId14"/>
+    <p:sldId id="273" r:id="rId15"/>
+    <p:sldId id="276" r:id="rId16"/>
+    <p:sldId id="278" r:id="rId17"/>
   </p:sldIdLst>
   <p:sldSz cx="12192000" cy="6858000"/>
   <p:notesSz cx="6858000" cy="9144000"/>
@@ -2802,7 +2801,7 @@
           <a:noFill/>
           <a:extLst>
             <a:ext uri="{909E8E84-426E-40dd-AFC4-6F175D3DCCD1}">
-              <a14:hiddenFill xmlns="" xmlns:a14="http://schemas.microsoft.com/office/drawing/2010/main">
+              <a14:hiddenFill xmlns:a14="http://schemas.microsoft.com/office/drawing/2010/main" xmlns="">
                 <a:solidFill>
                   <a:srgbClr val="FFFFFF"/>
                 </a:solidFill>
@@ -2862,7 +2861,7 @@
             </a:ln>
             <a:extLst>
               <a:ext uri="{91240B29-F687-4f45-9708-019B960494DF}">
-                <a14:hiddenLine xmlns="" xmlns:a14="http://schemas.microsoft.com/office/drawing/2010/main" w="9525">
+                <a14:hiddenLine xmlns:a14="http://schemas.microsoft.com/office/drawing/2010/main" xmlns="" w="9525">
                   <a:solidFill>
                     <a:srgbClr val="000000"/>
                   </a:solidFill>
@@ -2952,7 +2951,7 @@
             </a:ln>
             <a:extLst>
               <a:ext uri="{91240B29-F687-4f45-9708-019B960494DF}">
-                <a14:hiddenLine xmlns="" xmlns:a14="http://schemas.microsoft.com/office/drawing/2010/main" w="9525">
+                <a14:hiddenLine xmlns:a14="http://schemas.microsoft.com/office/drawing/2010/main" xmlns="" w="9525">
                   <a:solidFill>
                     <a:srgbClr val="000000"/>
                   </a:solidFill>
@@ -3042,7 +3041,7 @@
             </a:ln>
             <a:extLst>
               <a:ext uri="{91240B29-F687-4f45-9708-019B960494DF}">
-                <a14:hiddenLine xmlns="" xmlns:a14="http://schemas.microsoft.com/office/drawing/2010/main" w="9525">
+                <a14:hiddenLine xmlns:a14="http://schemas.microsoft.com/office/drawing/2010/main" xmlns="" w="9525">
                   <a:solidFill>
                     <a:srgbClr val="000000"/>
                   </a:solidFill>
@@ -3076,7 +3075,7 @@
             </a:ln>
             <a:extLst>
               <a:ext uri="{91240B29-F687-4f45-9708-019B960494DF}">
-                <a14:hiddenLine xmlns="" xmlns:a14="http://schemas.microsoft.com/office/drawing/2010/main" w="9525">
+                <a14:hiddenLine xmlns:a14="http://schemas.microsoft.com/office/drawing/2010/main" xmlns="" w="9525">
                   <a:solidFill>
                     <a:srgbClr val="000000"/>
                   </a:solidFill>
@@ -3166,7 +3165,7 @@
             </a:ln>
             <a:extLst>
               <a:ext uri="{91240B29-F687-4f45-9708-019B960494DF}">
-                <a14:hiddenLine xmlns="" xmlns:a14="http://schemas.microsoft.com/office/drawing/2010/main" w="9525">
+                <a14:hiddenLine xmlns:a14="http://schemas.microsoft.com/office/drawing/2010/main" xmlns="" w="9525">
                   <a:solidFill>
                     <a:srgbClr val="000000"/>
                   </a:solidFill>
@@ -3228,7 +3227,7 @@
             </a:ln>
             <a:extLst>
               <a:ext uri="{91240B29-F687-4f45-9708-019B960494DF}">
-                <a14:hiddenLine xmlns="" xmlns:a14="http://schemas.microsoft.com/office/drawing/2010/main" w="9525">
+                <a14:hiddenLine xmlns:a14="http://schemas.microsoft.com/office/drawing/2010/main" xmlns="" w="9525">
                   <a:solidFill>
                     <a:srgbClr val="000000"/>
                   </a:solidFill>
@@ -3290,7 +3289,7 @@
             </a:ln>
             <a:extLst>
               <a:ext uri="{91240B29-F687-4f45-9708-019B960494DF}">
-                <a14:hiddenLine xmlns="" xmlns:a14="http://schemas.microsoft.com/office/drawing/2010/main" w="9525">
+                <a14:hiddenLine xmlns:a14="http://schemas.microsoft.com/office/drawing/2010/main" xmlns="" w="9525">
                   <a:solidFill>
                     <a:srgbClr val="000000"/>
                   </a:solidFill>
@@ -3380,7 +3379,7 @@
             </a:ln>
             <a:extLst>
               <a:ext uri="{91240B29-F687-4f45-9708-019B960494DF}">
-                <a14:hiddenLine xmlns="" xmlns:a14="http://schemas.microsoft.com/office/drawing/2010/main" w="9525">
+                <a14:hiddenLine xmlns:a14="http://schemas.microsoft.com/office/drawing/2010/main" xmlns="" w="9525">
                   <a:solidFill>
                     <a:srgbClr val="000000"/>
                   </a:solidFill>
@@ -3442,7 +3441,7 @@
             </a:ln>
             <a:extLst>
               <a:ext uri="{91240B29-F687-4f45-9708-019B960494DF}">
-                <a14:hiddenLine xmlns="" xmlns:a14="http://schemas.microsoft.com/office/drawing/2010/main" w="9525">
+                <a14:hiddenLine xmlns:a14="http://schemas.microsoft.com/office/drawing/2010/main" xmlns="" w="9525">
                   <a:solidFill>
                     <a:srgbClr val="000000"/>
                   </a:solidFill>
@@ -3504,7 +3503,7 @@
             </a:ln>
             <a:extLst>
               <a:ext uri="{91240B29-F687-4f45-9708-019B960494DF}">
-                <a14:hiddenLine xmlns="" xmlns:a14="http://schemas.microsoft.com/office/drawing/2010/main" w="9525">
+                <a14:hiddenLine xmlns:a14="http://schemas.microsoft.com/office/drawing/2010/main" xmlns="" w="9525">
                   <a:solidFill>
                     <a:srgbClr val="000000"/>
                   </a:solidFill>
@@ -3594,7 +3593,7 @@
             </a:ln>
             <a:extLst>
               <a:ext uri="{91240B29-F687-4f45-9708-019B960494DF}">
-                <a14:hiddenLine xmlns="" xmlns:a14="http://schemas.microsoft.com/office/drawing/2010/main" w="9525">
+                <a14:hiddenLine xmlns:a14="http://schemas.microsoft.com/office/drawing/2010/main" xmlns="" w="9525">
                   <a:solidFill>
                     <a:srgbClr val="000000"/>
                   </a:solidFill>
@@ -3684,7 +3683,7 @@
             </a:ln>
             <a:extLst>
               <a:ext uri="{91240B29-F687-4f45-9708-019B960494DF}">
-                <a14:hiddenLine xmlns="" xmlns:a14="http://schemas.microsoft.com/office/drawing/2010/main" w="9525">
+                <a14:hiddenLine xmlns:a14="http://schemas.microsoft.com/office/drawing/2010/main" xmlns="" w="9525">
                   <a:solidFill>
                     <a:srgbClr val="000000"/>
                   </a:solidFill>
@@ -3746,7 +3745,7 @@
             </a:ln>
             <a:extLst>
               <a:ext uri="{91240B29-F687-4f45-9708-019B960494DF}">
-                <a14:hiddenLine xmlns="" xmlns:a14="http://schemas.microsoft.com/office/drawing/2010/main" w="9525">
+                <a14:hiddenLine xmlns:a14="http://schemas.microsoft.com/office/drawing/2010/main" xmlns="" w="9525">
                   <a:solidFill>
                     <a:srgbClr val="000000"/>
                   </a:solidFill>
@@ -3856,7 +3855,7 @@
             </a:ln>
             <a:extLst>
               <a:ext uri="{91240B29-F687-4f45-9708-019B960494DF}">
-                <a14:hiddenLine xmlns="" xmlns:a14="http://schemas.microsoft.com/office/drawing/2010/main" w="9525">
+                <a14:hiddenLine xmlns:a14="http://schemas.microsoft.com/office/drawing/2010/main" xmlns="" w="9525">
                   <a:solidFill>
                     <a:srgbClr val="000000"/>
                   </a:solidFill>
@@ -3918,7 +3917,7 @@
             </a:ln>
             <a:extLst>
               <a:ext uri="{91240B29-F687-4f45-9708-019B960494DF}">
-                <a14:hiddenLine xmlns="" xmlns:a14="http://schemas.microsoft.com/office/drawing/2010/main" w="9525">
+                <a14:hiddenLine xmlns:a14="http://schemas.microsoft.com/office/drawing/2010/main" xmlns="" w="9525">
                   <a:solidFill>
                     <a:srgbClr val="000000"/>
                   </a:solidFill>
@@ -4008,7 +4007,7 @@
             </a:ln>
             <a:extLst>
               <a:ext uri="{91240B29-F687-4f45-9708-019B960494DF}">
-                <a14:hiddenLine xmlns="" xmlns:a14="http://schemas.microsoft.com/office/drawing/2010/main" w="9525">
+                <a14:hiddenLine xmlns:a14="http://schemas.microsoft.com/office/drawing/2010/main" xmlns="" w="9525">
                   <a:solidFill>
                     <a:srgbClr val="000000"/>
                   </a:solidFill>
@@ -4098,7 +4097,7 @@
             </a:ln>
             <a:extLst>
               <a:ext uri="{91240B29-F687-4f45-9708-019B960494DF}">
-                <a14:hiddenLine xmlns="" xmlns:a14="http://schemas.microsoft.com/office/drawing/2010/main" w="9525">
+                <a14:hiddenLine xmlns:a14="http://schemas.microsoft.com/office/drawing/2010/main" xmlns="" w="9525">
                   <a:solidFill>
                     <a:srgbClr val="000000"/>
                   </a:solidFill>
@@ -4160,7 +4159,7 @@
             </a:ln>
             <a:extLst>
               <a:ext uri="{91240B29-F687-4f45-9708-019B960494DF}">
-                <a14:hiddenLine xmlns="" xmlns:a14="http://schemas.microsoft.com/office/drawing/2010/main" w="9525">
+                <a14:hiddenLine xmlns:a14="http://schemas.microsoft.com/office/drawing/2010/main" xmlns="" w="9525">
                   <a:solidFill>
                     <a:srgbClr val="000000"/>
                   </a:solidFill>
@@ -4250,7 +4249,7 @@
             </a:ln>
             <a:extLst>
               <a:ext uri="{91240B29-F687-4f45-9708-019B960494DF}">
-                <a14:hiddenLine xmlns="" xmlns:a14="http://schemas.microsoft.com/office/drawing/2010/main" w="9525">
+                <a14:hiddenLine xmlns:a14="http://schemas.microsoft.com/office/drawing/2010/main" xmlns="" w="9525">
                   <a:solidFill>
                     <a:srgbClr val="000000"/>
                   </a:solidFill>
@@ -4340,7 +4339,7 @@
             </a:ln>
             <a:extLst>
               <a:ext uri="{91240B29-F687-4f45-9708-019B960494DF}">
-                <a14:hiddenLine xmlns="" xmlns:a14="http://schemas.microsoft.com/office/drawing/2010/main" w="9525">
+                <a14:hiddenLine xmlns:a14="http://schemas.microsoft.com/office/drawing/2010/main" xmlns="" w="9525">
                   <a:solidFill>
                     <a:srgbClr val="000000"/>
                   </a:solidFill>
@@ -4396,7 +4395,7 @@
             </a:ln>
             <a:extLst>
               <a:ext uri="{91240B29-F687-4f45-9708-019B960494DF}">
-                <a14:hiddenLine xmlns="" xmlns:a14="http://schemas.microsoft.com/office/drawing/2010/main" w="9525">
+                <a14:hiddenLine xmlns:a14="http://schemas.microsoft.com/office/drawing/2010/main" xmlns="" w="9525">
                   <a:solidFill>
                     <a:srgbClr val="000000"/>
                   </a:solidFill>
@@ -4486,7 +4485,7 @@
             </a:ln>
             <a:extLst>
               <a:ext uri="{91240B29-F687-4f45-9708-019B960494DF}">
-                <a14:hiddenLine xmlns="" xmlns:a14="http://schemas.microsoft.com/office/drawing/2010/main" w="9525">
+                <a14:hiddenLine xmlns:a14="http://schemas.microsoft.com/office/drawing/2010/main" xmlns="" w="9525">
                   <a:solidFill>
                     <a:srgbClr val="000000"/>
                   </a:solidFill>
@@ -4542,7 +4541,7 @@
             </a:ln>
             <a:extLst>
               <a:ext uri="{91240B29-F687-4f45-9708-019B960494DF}">
-                <a14:hiddenLine xmlns="" xmlns:a14="http://schemas.microsoft.com/office/drawing/2010/main" w="9525">
+                <a14:hiddenLine xmlns:a14="http://schemas.microsoft.com/office/drawing/2010/main" xmlns="" w="9525">
                   <a:solidFill>
                     <a:srgbClr val="000000"/>
                   </a:solidFill>
@@ -4632,7 +4631,7 @@
             </a:ln>
             <a:extLst>
               <a:ext uri="{91240B29-F687-4f45-9708-019B960494DF}">
-                <a14:hiddenLine xmlns="" xmlns:a14="http://schemas.microsoft.com/office/drawing/2010/main" w="9525">
+                <a14:hiddenLine xmlns:a14="http://schemas.microsoft.com/office/drawing/2010/main" xmlns="" w="9525">
                   <a:solidFill>
                     <a:srgbClr val="000000"/>
                   </a:solidFill>
@@ -4700,7 +4699,7 @@
             </a:ln>
             <a:extLst>
               <a:ext uri="{91240B29-F687-4f45-9708-019B960494DF}">
-                <a14:hiddenLine xmlns="" xmlns:a14="http://schemas.microsoft.com/office/drawing/2010/main" w="9525">
+                <a14:hiddenLine xmlns:a14="http://schemas.microsoft.com/office/drawing/2010/main" xmlns="" w="9525">
                   <a:solidFill>
                     <a:srgbClr val="000000"/>
                   </a:solidFill>
@@ -4790,7 +4789,7 @@
             </a:ln>
             <a:extLst>
               <a:ext uri="{91240B29-F687-4f45-9708-019B960494DF}">
-                <a14:hiddenLine xmlns="" xmlns:a14="http://schemas.microsoft.com/office/drawing/2010/main" w="9525">
+                <a14:hiddenLine xmlns:a14="http://schemas.microsoft.com/office/drawing/2010/main" xmlns="" w="9525">
                   <a:solidFill>
                     <a:srgbClr val="000000"/>
                   </a:solidFill>
@@ -4858,7 +4857,7 @@
             </a:ln>
             <a:extLst>
               <a:ext uri="{91240B29-F687-4f45-9708-019B960494DF}">
-                <a14:hiddenLine xmlns="" xmlns:a14="http://schemas.microsoft.com/office/drawing/2010/main" w="9525">
+                <a14:hiddenLine xmlns:a14="http://schemas.microsoft.com/office/drawing/2010/main" xmlns="" w="9525">
                   <a:solidFill>
                     <a:srgbClr val="000000"/>
                   </a:solidFill>
@@ -4948,7 +4947,7 @@
             </a:ln>
             <a:extLst>
               <a:ext uri="{91240B29-F687-4f45-9708-019B960494DF}">
-                <a14:hiddenLine xmlns="" xmlns:a14="http://schemas.microsoft.com/office/drawing/2010/main" w="9525">
+                <a14:hiddenLine xmlns:a14="http://schemas.microsoft.com/office/drawing/2010/main" xmlns="" w="9525">
                   <a:solidFill>
                     <a:srgbClr val="000000"/>
                   </a:solidFill>
@@ -4982,7 +4981,7 @@
             </a:ln>
             <a:extLst>
               <a:ext uri="{91240B29-F687-4f45-9708-019B960494DF}">
-                <a14:hiddenLine xmlns="" xmlns:a14="http://schemas.microsoft.com/office/drawing/2010/main" w="9525">
+                <a14:hiddenLine xmlns:a14="http://schemas.microsoft.com/office/drawing/2010/main" xmlns="" w="9525">
                   <a:solidFill>
                     <a:srgbClr val="000000"/>
                   </a:solidFill>
@@ -5072,7 +5071,7 @@
             </a:ln>
             <a:extLst>
               <a:ext uri="{91240B29-F687-4f45-9708-019B960494DF}">
-                <a14:hiddenLine xmlns="" xmlns:a14="http://schemas.microsoft.com/office/drawing/2010/main" w="9525">
+                <a14:hiddenLine xmlns:a14="http://schemas.microsoft.com/office/drawing/2010/main" xmlns="" w="9525">
                   <a:solidFill>
                     <a:srgbClr val="000000"/>
                   </a:solidFill>
@@ -5134,7 +5133,7 @@
             </a:ln>
             <a:extLst>
               <a:ext uri="{91240B29-F687-4f45-9708-019B960494DF}">
-                <a14:hiddenLine xmlns="" xmlns:a14="http://schemas.microsoft.com/office/drawing/2010/main" w="9525">
+                <a14:hiddenLine xmlns:a14="http://schemas.microsoft.com/office/drawing/2010/main" xmlns="" w="9525">
                   <a:solidFill>
                     <a:srgbClr val="000000"/>
                   </a:solidFill>
@@ -5196,7 +5195,7 @@
             </a:ln>
             <a:extLst>
               <a:ext uri="{91240B29-F687-4f45-9708-019B960494DF}">
-                <a14:hiddenLine xmlns="" xmlns:a14="http://schemas.microsoft.com/office/drawing/2010/main" w="9525">
+                <a14:hiddenLine xmlns:a14="http://schemas.microsoft.com/office/drawing/2010/main" xmlns="" w="9525">
                   <a:solidFill>
                     <a:srgbClr val="000000"/>
                   </a:solidFill>
@@ -5286,7 +5285,7 @@
             </a:ln>
             <a:extLst>
               <a:ext uri="{91240B29-F687-4f45-9708-019B960494DF}">
-                <a14:hiddenLine xmlns="" xmlns:a14="http://schemas.microsoft.com/office/drawing/2010/main" w="9525">
+                <a14:hiddenLine xmlns:a14="http://schemas.microsoft.com/office/drawing/2010/main" xmlns="" w="9525">
                   <a:solidFill>
                     <a:srgbClr val="000000"/>
                   </a:solidFill>
@@ -5354,7 +5353,7 @@
             </a:ln>
             <a:extLst>
               <a:ext uri="{91240B29-F687-4f45-9708-019B960494DF}">
-                <a14:hiddenLine xmlns="" xmlns:a14="http://schemas.microsoft.com/office/drawing/2010/main" w="9525">
+                <a14:hiddenLine xmlns:a14="http://schemas.microsoft.com/office/drawing/2010/main" xmlns="" w="9525">
                   <a:solidFill>
                     <a:srgbClr val="000000"/>
                   </a:solidFill>
@@ -5416,7 +5415,7 @@
             </a:ln>
             <a:extLst>
               <a:ext uri="{91240B29-F687-4f45-9708-019B960494DF}">
-                <a14:hiddenLine xmlns="" xmlns:a14="http://schemas.microsoft.com/office/drawing/2010/main" w="9525">
+                <a14:hiddenLine xmlns:a14="http://schemas.microsoft.com/office/drawing/2010/main" xmlns="" w="9525">
                   <a:solidFill>
                     <a:srgbClr val="000000"/>
                   </a:solidFill>
@@ -5506,7 +5505,7 @@
             </a:ln>
             <a:extLst>
               <a:ext uri="{91240B29-F687-4f45-9708-019B960494DF}">
-                <a14:hiddenLine xmlns="" xmlns:a14="http://schemas.microsoft.com/office/drawing/2010/main" w="9525">
+                <a14:hiddenLine xmlns:a14="http://schemas.microsoft.com/office/drawing/2010/main" xmlns="" w="9525">
                   <a:solidFill>
                     <a:srgbClr val="000000"/>
                   </a:solidFill>
@@ -5568,7 +5567,7 @@
             </a:ln>
             <a:extLst>
               <a:ext uri="{91240B29-F687-4f45-9708-019B960494DF}">
-                <a14:hiddenLine xmlns="" xmlns:a14="http://schemas.microsoft.com/office/drawing/2010/main" w="9525">
+                <a14:hiddenLine xmlns:a14="http://schemas.microsoft.com/office/drawing/2010/main" xmlns="" w="9525">
                   <a:solidFill>
                     <a:srgbClr val="000000"/>
                   </a:solidFill>
@@ -5658,7 +5657,7 @@
             </a:ln>
             <a:extLst>
               <a:ext uri="{91240B29-F687-4f45-9708-019B960494DF}">
-                <a14:hiddenLine xmlns="" xmlns:a14="http://schemas.microsoft.com/office/drawing/2010/main" w="9525">
+                <a14:hiddenLine xmlns:a14="http://schemas.microsoft.com/office/drawing/2010/main" xmlns="" w="9525">
                   <a:solidFill>
                     <a:srgbClr val="000000"/>
                   </a:solidFill>
@@ -5720,7 +5719,7 @@
             </a:ln>
             <a:extLst>
               <a:ext uri="{91240B29-F687-4f45-9708-019B960494DF}">
-                <a14:hiddenLine xmlns="" xmlns:a14="http://schemas.microsoft.com/office/drawing/2010/main" w="9525">
+                <a14:hiddenLine xmlns:a14="http://schemas.microsoft.com/office/drawing/2010/main" xmlns="" w="9525">
                   <a:solidFill>
                     <a:srgbClr val="000000"/>
                   </a:solidFill>
@@ -5810,7 +5809,7 @@
             </a:ln>
             <a:extLst>
               <a:ext uri="{91240B29-F687-4f45-9708-019B960494DF}">
-                <a14:hiddenLine xmlns="" xmlns:a14="http://schemas.microsoft.com/office/drawing/2010/main" w="9525">
+                <a14:hiddenLine xmlns:a14="http://schemas.microsoft.com/office/drawing/2010/main" xmlns="" w="9525">
                   <a:solidFill>
                     <a:srgbClr val="000000"/>
                   </a:solidFill>
@@ -5844,7 +5843,7 @@
             </a:ln>
             <a:extLst>
               <a:ext uri="{91240B29-F687-4f45-9708-019B960494DF}">
-                <a14:hiddenLine xmlns="" xmlns:a14="http://schemas.microsoft.com/office/drawing/2010/main" w="9525">
+                <a14:hiddenLine xmlns:a14="http://schemas.microsoft.com/office/drawing/2010/main" xmlns="" w="9525">
                   <a:solidFill>
                     <a:srgbClr val="000000"/>
                   </a:solidFill>
@@ -5909,7 +5908,7 @@
             </a:ln>
             <a:extLst>
               <a:ext uri="{91240B29-F687-4f45-9708-019B960494DF}">
-                <a14:hiddenLine xmlns="" xmlns:a14="http://schemas.microsoft.com/office/drawing/2010/main" w="9525">
+                <a14:hiddenLine xmlns:a14="http://schemas.microsoft.com/office/drawing/2010/main" xmlns="" w="9525">
                   <a:solidFill>
                     <a:srgbClr val="000000"/>
                   </a:solidFill>
@@ -5999,7 +5998,7 @@
             </a:ln>
             <a:extLst>
               <a:ext uri="{91240B29-F687-4f45-9708-019B960494DF}">
-                <a14:hiddenLine xmlns="" xmlns:a14="http://schemas.microsoft.com/office/drawing/2010/main" w="9525">
+                <a14:hiddenLine xmlns:a14="http://schemas.microsoft.com/office/drawing/2010/main" xmlns="" w="9525">
                   <a:solidFill>
                     <a:srgbClr val="000000"/>
                   </a:solidFill>
@@ -6061,7 +6060,7 @@
             </a:ln>
             <a:extLst>
               <a:ext uri="{91240B29-F687-4f45-9708-019B960494DF}">
-                <a14:hiddenLine xmlns="" xmlns:a14="http://schemas.microsoft.com/office/drawing/2010/main" w="9525">
+                <a14:hiddenLine xmlns:a14="http://schemas.microsoft.com/office/drawing/2010/main" xmlns="" w="9525">
                   <a:solidFill>
                     <a:srgbClr val="000000"/>
                   </a:solidFill>
@@ -6151,7 +6150,7 @@
             </a:ln>
             <a:extLst>
               <a:ext uri="{91240B29-F687-4f45-9708-019B960494DF}">
-                <a14:hiddenLine xmlns="" xmlns:a14="http://schemas.microsoft.com/office/drawing/2010/main" w="9525">
+                <a14:hiddenLine xmlns:a14="http://schemas.microsoft.com/office/drawing/2010/main" xmlns="" w="9525">
                   <a:solidFill>
                     <a:srgbClr val="000000"/>
                   </a:solidFill>
@@ -6241,7 +6240,7 @@
             </a:ln>
             <a:extLst>
               <a:ext uri="{91240B29-F687-4f45-9708-019B960494DF}">
-                <a14:hiddenLine xmlns="" xmlns:a14="http://schemas.microsoft.com/office/drawing/2010/main" w="9525">
+                <a14:hiddenLine xmlns:a14="http://schemas.microsoft.com/office/drawing/2010/main" xmlns="" w="9525">
                   <a:solidFill>
                     <a:srgbClr val="000000"/>
                   </a:solidFill>
@@ -6306,7 +6305,7 @@
             </a:ln>
             <a:extLst>
               <a:ext uri="{91240B29-F687-4f45-9708-019B960494DF}">
-                <a14:hiddenLine xmlns="" xmlns:a14="http://schemas.microsoft.com/office/drawing/2010/main" w="9525">
+                <a14:hiddenLine xmlns:a14="http://schemas.microsoft.com/office/drawing/2010/main" xmlns="" w="9525">
                   <a:solidFill>
                     <a:srgbClr val="000000"/>
                   </a:solidFill>
@@ -6368,7 +6367,7 @@
             </a:ln>
             <a:extLst>
               <a:ext uri="{91240B29-F687-4f45-9708-019B960494DF}">
-                <a14:hiddenLine xmlns="" xmlns:a14="http://schemas.microsoft.com/office/drawing/2010/main" w="9525">
+                <a14:hiddenLine xmlns:a14="http://schemas.microsoft.com/office/drawing/2010/main" xmlns="" w="9525">
                   <a:solidFill>
                     <a:srgbClr val="000000"/>
                   </a:solidFill>
@@ -6458,7 +6457,7 @@
             </a:ln>
             <a:extLst>
               <a:ext uri="{91240B29-F687-4f45-9708-019B960494DF}">
-                <a14:hiddenLine xmlns="" xmlns:a14="http://schemas.microsoft.com/office/drawing/2010/main" w="9525">
+                <a14:hiddenLine xmlns:a14="http://schemas.microsoft.com/office/drawing/2010/main" xmlns="" w="9525">
                   <a:solidFill>
                     <a:srgbClr val="000000"/>
                   </a:solidFill>
@@ -6548,7 +6547,7 @@
             </a:ln>
             <a:extLst>
               <a:ext uri="{91240B29-F687-4f45-9708-019B960494DF}">
-                <a14:hiddenLine xmlns="" xmlns:a14="http://schemas.microsoft.com/office/drawing/2010/main" w="9525">
+                <a14:hiddenLine xmlns:a14="http://schemas.microsoft.com/office/drawing/2010/main" xmlns="" w="9525">
                   <a:solidFill>
                     <a:srgbClr val="000000"/>
                   </a:solidFill>
@@ -6610,7 +6609,7 @@
             </a:ln>
             <a:extLst>
               <a:ext uri="{91240B29-F687-4f45-9708-019B960494DF}">
-                <a14:hiddenLine xmlns="" xmlns:a14="http://schemas.microsoft.com/office/drawing/2010/main" w="9525">
+                <a14:hiddenLine xmlns:a14="http://schemas.microsoft.com/office/drawing/2010/main" xmlns="" w="9525">
                   <a:solidFill>
                     <a:srgbClr val="000000"/>
                   </a:solidFill>
@@ -6730,7 +6729,7 @@
             </a:ln>
             <a:extLst>
               <a:ext uri="{91240B29-F687-4f45-9708-019B960494DF}">
-                <a14:hiddenLine xmlns="" xmlns:a14="http://schemas.microsoft.com/office/drawing/2010/main" w="9525">
+                <a14:hiddenLine xmlns:a14="http://schemas.microsoft.com/office/drawing/2010/main" xmlns="" w="9525">
                   <a:solidFill>
                     <a:srgbClr val="000000"/>
                   </a:solidFill>
@@ -6798,7 +6797,7 @@
             </a:ln>
             <a:extLst>
               <a:ext uri="{91240B29-F687-4f45-9708-019B960494DF}">
-                <a14:hiddenLine xmlns="" xmlns:a14="http://schemas.microsoft.com/office/drawing/2010/main" w="9525">
+                <a14:hiddenLine xmlns:a14="http://schemas.microsoft.com/office/drawing/2010/main" xmlns="" w="9525">
                   <a:solidFill>
                     <a:srgbClr val="000000"/>
                   </a:solidFill>
@@ -6888,7 +6887,7 @@
             </a:ln>
             <a:extLst>
               <a:ext uri="{91240B29-F687-4f45-9708-019B960494DF}">
-                <a14:hiddenLine xmlns="" xmlns:a14="http://schemas.microsoft.com/office/drawing/2010/main" w="9525">
+                <a14:hiddenLine xmlns:a14="http://schemas.microsoft.com/office/drawing/2010/main" xmlns="" w="9525">
                   <a:solidFill>
                     <a:srgbClr val="000000"/>
                   </a:solidFill>
@@ -11695,7 +11694,7 @@
           <a:noFill/>
           <a:extLst>
             <a:ext uri="{909E8E84-426E-40dd-AFC4-6F175D3DCCD1}">
-              <a14:hiddenFill xmlns="" xmlns:a14="http://schemas.microsoft.com/office/drawing/2010/main">
+              <a14:hiddenFill xmlns:a14="http://schemas.microsoft.com/office/drawing/2010/main" xmlns="">
                 <a:solidFill>
                   <a:srgbClr val="FFFFFF"/>
                 </a:solidFill>
@@ -11769,7 +11768,7 @@
               </a:ln>
               <a:extLst>
                 <a:ext uri="{91240B29-F687-4f45-9708-019B960494DF}">
-                  <a14:hiddenLine xmlns="" xmlns:a14="http://schemas.microsoft.com/office/drawing/2010/main" w="9525">
+                  <a14:hiddenLine xmlns:a14="http://schemas.microsoft.com/office/drawing/2010/main" xmlns="" w="9525">
                     <a:solidFill>
                       <a:srgbClr val="000000"/>
                     </a:solidFill>
@@ -11859,7 +11858,7 @@
               </a:ln>
               <a:extLst>
                 <a:ext uri="{91240B29-F687-4f45-9708-019B960494DF}">
-                  <a14:hiddenLine xmlns="" xmlns:a14="http://schemas.microsoft.com/office/drawing/2010/main" w="9525">
+                  <a14:hiddenLine xmlns:a14="http://schemas.microsoft.com/office/drawing/2010/main" xmlns="" w="9525">
                     <a:solidFill>
                       <a:srgbClr val="000000"/>
                     </a:solidFill>
@@ -11949,7 +11948,7 @@
               </a:ln>
               <a:extLst>
                 <a:ext uri="{91240B29-F687-4f45-9708-019B960494DF}">
-                  <a14:hiddenLine xmlns="" xmlns:a14="http://schemas.microsoft.com/office/drawing/2010/main" w="9525">
+                  <a14:hiddenLine xmlns:a14="http://schemas.microsoft.com/office/drawing/2010/main" xmlns="" w="9525">
                     <a:solidFill>
                       <a:srgbClr val="000000"/>
                     </a:solidFill>
@@ -12011,7 +12010,7 @@
               </a:ln>
               <a:extLst>
                 <a:ext uri="{91240B29-F687-4f45-9708-019B960494DF}">
-                  <a14:hiddenLine xmlns="" xmlns:a14="http://schemas.microsoft.com/office/drawing/2010/main" w="9525">
+                  <a14:hiddenLine xmlns:a14="http://schemas.microsoft.com/office/drawing/2010/main" xmlns="" w="9525">
                     <a:solidFill>
                       <a:srgbClr val="000000"/>
                     </a:solidFill>
@@ -12101,7 +12100,7 @@
               </a:ln>
               <a:extLst>
                 <a:ext uri="{91240B29-F687-4f45-9708-019B960494DF}">
-                  <a14:hiddenLine xmlns="" xmlns:a14="http://schemas.microsoft.com/office/drawing/2010/main" w="9525">
+                  <a14:hiddenLine xmlns:a14="http://schemas.microsoft.com/office/drawing/2010/main" xmlns="" w="9525">
                     <a:solidFill>
                       <a:srgbClr val="000000"/>
                     </a:solidFill>
@@ -12163,7 +12162,7 @@
               </a:ln>
               <a:extLst>
                 <a:ext uri="{91240B29-F687-4f45-9708-019B960494DF}">
-                  <a14:hiddenLine xmlns="" xmlns:a14="http://schemas.microsoft.com/office/drawing/2010/main" w="9525">
+                  <a14:hiddenLine xmlns:a14="http://schemas.microsoft.com/office/drawing/2010/main" xmlns="" w="9525">
                     <a:solidFill>
                       <a:srgbClr val="000000"/>
                     </a:solidFill>
@@ -12225,7 +12224,7 @@
               </a:ln>
               <a:extLst>
                 <a:ext uri="{91240B29-F687-4f45-9708-019B960494DF}">
-                  <a14:hiddenLine xmlns="" xmlns:a14="http://schemas.microsoft.com/office/drawing/2010/main" w="9525">
+                  <a14:hiddenLine xmlns:a14="http://schemas.microsoft.com/office/drawing/2010/main" xmlns="" w="9525">
                     <a:solidFill>
                       <a:srgbClr val="000000"/>
                     </a:solidFill>
@@ -12315,7 +12314,7 @@
               </a:ln>
               <a:extLst>
                 <a:ext uri="{91240B29-F687-4f45-9708-019B960494DF}">
-                  <a14:hiddenLine xmlns="" xmlns:a14="http://schemas.microsoft.com/office/drawing/2010/main" w="9525">
+                  <a14:hiddenLine xmlns:a14="http://schemas.microsoft.com/office/drawing/2010/main" xmlns="" w="9525">
                     <a:solidFill>
                       <a:srgbClr val="000000"/>
                     </a:solidFill>
@@ -12405,7 +12404,7 @@
               </a:ln>
               <a:extLst>
                 <a:ext uri="{91240B29-F687-4f45-9708-019B960494DF}">
-                  <a14:hiddenLine xmlns="" xmlns:a14="http://schemas.microsoft.com/office/drawing/2010/main" w="9525">
+                  <a14:hiddenLine xmlns:a14="http://schemas.microsoft.com/office/drawing/2010/main" xmlns="" w="9525">
                     <a:solidFill>
                       <a:srgbClr val="000000"/>
                     </a:solidFill>
@@ -12467,7 +12466,7 @@
               </a:ln>
               <a:extLst>
                 <a:ext uri="{91240B29-F687-4f45-9708-019B960494DF}">
-                  <a14:hiddenLine xmlns="" xmlns:a14="http://schemas.microsoft.com/office/drawing/2010/main" w="9525">
+                  <a14:hiddenLine xmlns:a14="http://schemas.microsoft.com/office/drawing/2010/main" xmlns="" w="9525">
                     <a:solidFill>
                       <a:srgbClr val="000000"/>
                     </a:solidFill>
@@ -12577,7 +12576,7 @@
               </a:ln>
               <a:extLst>
                 <a:ext uri="{91240B29-F687-4f45-9708-019B960494DF}">
-                  <a14:hiddenLine xmlns="" xmlns:a14="http://schemas.microsoft.com/office/drawing/2010/main" w="9525">
+                  <a14:hiddenLine xmlns:a14="http://schemas.microsoft.com/office/drawing/2010/main" xmlns="" w="9525">
                     <a:solidFill>
                       <a:srgbClr val="000000"/>
                     </a:solidFill>
@@ -12661,7 +12660,7 @@
               </a:ln>
               <a:extLst>
                 <a:ext uri="{91240B29-F687-4f45-9708-019B960494DF}">
-                  <a14:hiddenLine xmlns="" xmlns:a14="http://schemas.microsoft.com/office/drawing/2010/main" w="9525">
+                  <a14:hiddenLine xmlns:a14="http://schemas.microsoft.com/office/drawing/2010/main" xmlns="" w="9525">
                     <a:solidFill>
                       <a:srgbClr val="000000"/>
                     </a:solidFill>
@@ -12723,7 +12722,7 @@
               </a:ln>
               <a:extLst>
                 <a:ext uri="{91240B29-F687-4f45-9708-019B960494DF}">
-                  <a14:hiddenLine xmlns="" xmlns:a14="http://schemas.microsoft.com/office/drawing/2010/main" w="9525">
+                  <a14:hiddenLine xmlns:a14="http://schemas.microsoft.com/office/drawing/2010/main" xmlns="" w="9525">
                     <a:solidFill>
                       <a:srgbClr val="000000"/>
                     </a:solidFill>
@@ -12785,7 +12784,7 @@
               </a:ln>
               <a:extLst>
                 <a:ext uri="{91240B29-F687-4f45-9708-019B960494DF}">
-                  <a14:hiddenLine xmlns="" xmlns:a14="http://schemas.microsoft.com/office/drawing/2010/main" w="9525">
+                  <a14:hiddenLine xmlns:a14="http://schemas.microsoft.com/office/drawing/2010/main" xmlns="" w="9525">
                     <a:solidFill>
                       <a:srgbClr val="000000"/>
                     </a:solidFill>
@@ -12875,7 +12874,7 @@
               </a:ln>
               <a:extLst>
                 <a:ext uri="{91240B29-F687-4f45-9708-019B960494DF}">
-                  <a14:hiddenLine xmlns="" xmlns:a14="http://schemas.microsoft.com/office/drawing/2010/main" w="9525">
+                  <a14:hiddenLine xmlns:a14="http://schemas.microsoft.com/office/drawing/2010/main" xmlns="" w="9525">
                     <a:solidFill>
                       <a:srgbClr val="000000"/>
                     </a:solidFill>
@@ -12909,7 +12908,7 @@
               </a:ln>
               <a:extLst>
                 <a:ext uri="{91240B29-F687-4f45-9708-019B960494DF}">
-                  <a14:hiddenLine xmlns="" xmlns:a14="http://schemas.microsoft.com/office/drawing/2010/main" w="9525">
+                  <a14:hiddenLine xmlns:a14="http://schemas.microsoft.com/office/drawing/2010/main" xmlns="" w="9525">
                     <a:solidFill>
                       <a:srgbClr val="000000"/>
                     </a:solidFill>
@@ -12974,7 +12973,7 @@
               </a:ln>
               <a:extLst>
                 <a:ext uri="{91240B29-F687-4f45-9708-019B960494DF}">
-                  <a14:hiddenLine xmlns="" xmlns:a14="http://schemas.microsoft.com/office/drawing/2010/main" w="9525">
+                  <a14:hiddenLine xmlns:a14="http://schemas.microsoft.com/office/drawing/2010/main" xmlns="" w="9525">
                     <a:solidFill>
                       <a:srgbClr val="000000"/>
                     </a:solidFill>
@@ -13064,7 +13063,7 @@
               </a:ln>
               <a:extLst>
                 <a:ext uri="{91240B29-F687-4f45-9708-019B960494DF}">
-                  <a14:hiddenLine xmlns="" xmlns:a14="http://schemas.microsoft.com/office/drawing/2010/main" w="9525">
+                  <a14:hiddenLine xmlns:a14="http://schemas.microsoft.com/office/drawing/2010/main" xmlns="" w="9525">
                     <a:solidFill>
                       <a:srgbClr val="000000"/>
                     </a:solidFill>
@@ -13126,7 +13125,7 @@
               </a:ln>
               <a:extLst>
                 <a:ext uri="{91240B29-F687-4f45-9708-019B960494DF}">
-                  <a14:hiddenLine xmlns="" xmlns:a14="http://schemas.microsoft.com/office/drawing/2010/main" w="9525">
+                  <a14:hiddenLine xmlns:a14="http://schemas.microsoft.com/office/drawing/2010/main" xmlns="" w="9525">
                     <a:solidFill>
                       <a:srgbClr val="000000"/>
                     </a:solidFill>
@@ -13216,7 +13215,7 @@
               </a:ln>
               <a:extLst>
                 <a:ext uri="{91240B29-F687-4f45-9708-019B960494DF}">
-                  <a14:hiddenLine xmlns="" xmlns:a14="http://schemas.microsoft.com/office/drawing/2010/main" w="9525">
+                  <a14:hiddenLine xmlns:a14="http://schemas.microsoft.com/office/drawing/2010/main" xmlns="" w="9525">
                     <a:solidFill>
                       <a:srgbClr val="000000"/>
                     </a:solidFill>
@@ -13281,7 +13280,7 @@
               </a:ln>
               <a:extLst>
                 <a:ext uri="{91240B29-F687-4f45-9708-019B960494DF}">
-                  <a14:hiddenLine xmlns="" xmlns:a14="http://schemas.microsoft.com/office/drawing/2010/main" w="9525">
+                  <a14:hiddenLine xmlns:a14="http://schemas.microsoft.com/office/drawing/2010/main" xmlns="" w="9525">
                     <a:solidFill>
                       <a:srgbClr val="000000"/>
                     </a:solidFill>
@@ -13343,7 +13342,7 @@
               </a:ln>
               <a:extLst>
                 <a:ext uri="{91240B29-F687-4f45-9708-019B960494DF}">
-                  <a14:hiddenLine xmlns="" xmlns:a14="http://schemas.microsoft.com/office/drawing/2010/main" w="9525">
+                  <a14:hiddenLine xmlns:a14="http://schemas.microsoft.com/office/drawing/2010/main" xmlns="" w="9525">
                     <a:solidFill>
                       <a:srgbClr val="000000"/>
                     </a:solidFill>
@@ -13433,7 +13432,7 @@
               </a:ln>
               <a:extLst>
                 <a:ext uri="{91240B29-F687-4f45-9708-019B960494DF}">
-                  <a14:hiddenLine xmlns="" xmlns:a14="http://schemas.microsoft.com/office/drawing/2010/main" w="9525">
+                  <a14:hiddenLine xmlns:a14="http://schemas.microsoft.com/office/drawing/2010/main" xmlns="" w="9525">
                     <a:solidFill>
                       <a:srgbClr val="000000"/>
                     </a:solidFill>
@@ -13523,7 +13522,7 @@
               </a:ln>
               <a:extLst>
                 <a:ext uri="{91240B29-F687-4f45-9708-019B960494DF}">
-                  <a14:hiddenLine xmlns="" xmlns:a14="http://schemas.microsoft.com/office/drawing/2010/main" w="9525">
+                  <a14:hiddenLine xmlns:a14="http://schemas.microsoft.com/office/drawing/2010/main" xmlns="" w="9525">
                     <a:solidFill>
                       <a:srgbClr val="000000"/>
                     </a:solidFill>
@@ -13588,7 +13587,7 @@
               </a:ln>
               <a:extLst>
                 <a:ext uri="{91240B29-F687-4f45-9708-019B960494DF}">
-                  <a14:hiddenLine xmlns="" xmlns:a14="http://schemas.microsoft.com/office/drawing/2010/main" w="9525">
+                  <a14:hiddenLine xmlns:a14="http://schemas.microsoft.com/office/drawing/2010/main" xmlns="" w="9525">
                     <a:solidFill>
                       <a:srgbClr val="000000"/>
                     </a:solidFill>
@@ -13708,7 +13707,7 @@
               </a:ln>
               <a:extLst>
                 <a:ext uri="{91240B29-F687-4f45-9708-019B960494DF}">
-                  <a14:hiddenLine xmlns="" xmlns:a14="http://schemas.microsoft.com/office/drawing/2010/main" w="9525">
+                  <a14:hiddenLine xmlns:a14="http://schemas.microsoft.com/office/drawing/2010/main" xmlns="" w="9525">
                     <a:solidFill>
                       <a:srgbClr val="000000"/>
                     </a:solidFill>
@@ -13806,7 +13805,7 @@
               </a:ln>
               <a:extLst>
                 <a:ext uri="{91240B29-F687-4f45-9708-019B960494DF}">
-                  <a14:hiddenLine xmlns="" xmlns:a14="http://schemas.microsoft.com/office/drawing/2010/main" w="9525">
+                  <a14:hiddenLine xmlns:a14="http://schemas.microsoft.com/office/drawing/2010/main" xmlns="" w="9525">
                     <a:solidFill>
                       <a:srgbClr val="000000"/>
                     </a:solidFill>
@@ -13921,7 +13920,7 @@
               </a:ln>
               <a:extLst>
                 <a:ext uri="{91240B29-F687-4f45-9708-019B960494DF}">
-                  <a14:hiddenLine xmlns="" xmlns:a14="http://schemas.microsoft.com/office/drawing/2010/main" w="9525">
+                  <a14:hiddenLine xmlns:a14="http://schemas.microsoft.com/office/drawing/2010/main" xmlns="" w="9525">
                     <a:solidFill>
                       <a:srgbClr val="000000"/>
                     </a:solidFill>
@@ -14011,7 +14010,7 @@
               </a:ln>
               <a:extLst>
                 <a:ext uri="{91240B29-F687-4f45-9708-019B960494DF}">
-                  <a14:hiddenLine xmlns="" xmlns:a14="http://schemas.microsoft.com/office/drawing/2010/main" w="9525">
+                  <a14:hiddenLine xmlns:a14="http://schemas.microsoft.com/office/drawing/2010/main" xmlns="" w="9525">
                     <a:solidFill>
                       <a:srgbClr val="000000"/>
                     </a:solidFill>
@@ -14076,7 +14075,7 @@
               </a:ln>
               <a:extLst>
                 <a:ext uri="{91240B29-F687-4f45-9708-019B960494DF}">
-                  <a14:hiddenLine xmlns="" xmlns:a14="http://schemas.microsoft.com/office/drawing/2010/main" w="9525">
+                  <a14:hiddenLine xmlns:a14="http://schemas.microsoft.com/office/drawing/2010/main" xmlns="" w="9525">
                     <a:solidFill>
                       <a:srgbClr val="000000"/>
                     </a:solidFill>
@@ -14166,7 +14165,7 @@
               </a:ln>
               <a:extLst>
                 <a:ext uri="{91240B29-F687-4f45-9708-019B960494DF}">
-                  <a14:hiddenLine xmlns="" xmlns:a14="http://schemas.microsoft.com/office/drawing/2010/main" w="9525">
+                  <a14:hiddenLine xmlns:a14="http://schemas.microsoft.com/office/drawing/2010/main" xmlns="" w="9525">
                     <a:solidFill>
                       <a:srgbClr val="000000"/>
                     </a:solidFill>
@@ -14234,7 +14233,7 @@
               </a:ln>
               <a:extLst>
                 <a:ext uri="{91240B29-F687-4f45-9708-019B960494DF}">
-                  <a14:hiddenLine xmlns="" xmlns:a14="http://schemas.microsoft.com/office/drawing/2010/main" w="9525">
+                  <a14:hiddenLine xmlns:a14="http://schemas.microsoft.com/office/drawing/2010/main" xmlns="" w="9525">
                     <a:solidFill>
                       <a:srgbClr val="000000"/>
                     </a:solidFill>
@@ -14324,7 +14323,7 @@
               </a:ln>
               <a:extLst>
                 <a:ext uri="{91240B29-F687-4f45-9708-019B960494DF}">
-                  <a14:hiddenLine xmlns="" xmlns:a14="http://schemas.microsoft.com/office/drawing/2010/main" w="9525">
+                  <a14:hiddenLine xmlns:a14="http://schemas.microsoft.com/office/drawing/2010/main" xmlns="" w="9525">
                     <a:solidFill>
                       <a:srgbClr val="000000"/>
                     </a:solidFill>
@@ -14392,7 +14391,7 @@
               </a:ln>
               <a:extLst>
                 <a:ext uri="{91240B29-F687-4f45-9708-019B960494DF}">
-                  <a14:hiddenLine xmlns="" xmlns:a14="http://schemas.microsoft.com/office/drawing/2010/main" w="9525">
+                  <a14:hiddenLine xmlns:a14="http://schemas.microsoft.com/office/drawing/2010/main" xmlns="" w="9525">
                     <a:solidFill>
                       <a:srgbClr val="000000"/>
                     </a:solidFill>
@@ -14482,7 +14481,7 @@
               </a:ln>
               <a:extLst>
                 <a:ext uri="{91240B29-F687-4f45-9708-019B960494DF}">
-                  <a14:hiddenLine xmlns="" xmlns:a14="http://schemas.microsoft.com/office/drawing/2010/main" w="9525">
+                  <a14:hiddenLine xmlns:a14="http://schemas.microsoft.com/office/drawing/2010/main" xmlns="" w="9525">
                     <a:solidFill>
                       <a:srgbClr val="000000"/>
                     </a:solidFill>
@@ -14516,7 +14515,7 @@
               </a:ln>
               <a:extLst>
                 <a:ext uri="{91240B29-F687-4f45-9708-019B960494DF}">
-                  <a14:hiddenLine xmlns="" xmlns:a14="http://schemas.microsoft.com/office/drawing/2010/main" w="9525">
+                  <a14:hiddenLine xmlns:a14="http://schemas.microsoft.com/office/drawing/2010/main" xmlns="" w="9525">
                     <a:solidFill>
                       <a:srgbClr val="000000"/>
                     </a:solidFill>
@@ -15112,16 +15111,7 @@
                 </a:solidFill>
                 <a:latin typeface="Avenir Next" panose="020B0503020202020204" pitchFamily="34" charset="0"/>
               </a:rPr>
-              <a:t>Core Workshop </a:t>
-            </a:r>
-            <a:r>
-              <a:rPr lang="en-US" sz="3600" cap="none" dirty="0">
-                <a:solidFill>
-                  <a:srgbClr val="000000"/>
-                </a:solidFill>
-                <a:latin typeface="Avenir Next" panose="020B0503020202020204" pitchFamily="34" charset="0"/>
-              </a:rPr>
-              <a:t>4</a:t>
+              <a:t>Core Workshop 4</a:t>
             </a:r>
             <a:r>
               <a:rPr lang="en-US" sz="3600" cap="none" dirty="0" smtClean="0">
@@ -15130,16 +15120,7 @@
                 </a:solidFill>
                 <a:latin typeface="Avenir Next" panose="020B0503020202020204" pitchFamily="34" charset="0"/>
               </a:rPr>
-              <a:t>: </a:t>
-            </a:r>
-            <a:r>
-              <a:rPr lang="en-US" sz="3600" cap="none" dirty="0" smtClean="0">
-                <a:solidFill>
-                  <a:srgbClr val="000000"/>
-                </a:solidFill>
-                <a:latin typeface="Avenir Next" panose="020B0503020202020204" pitchFamily="34" charset="0"/>
-              </a:rPr>
-              <a:t>Polynomial Regression</a:t>
+              <a:t>: Polynomial Regression</a:t>
             </a:r>
             <a:endParaRPr lang="en-US" sz="3600" cap="none" dirty="0">
               <a:solidFill>
@@ -15234,106 +15215,6 @@
             <p:ph type="title"/>
           </p:nvPr>
         </p:nvSpPr>
-        <p:spPr/>
-        <p:txBody>
-          <a:bodyPr/>
-          <a:lstStyle/>
-          <a:p>
-            <a:pPr algn="ctr"/>
-            <a:r>
-              <a:rPr lang="es-ES" dirty="0" smtClean="0">
-                <a:latin typeface="Avenir Next" panose="020B0503020202020204"/>
-              </a:rPr>
-              <a:t>Polynomial interpolation</a:t>
-            </a:r>
-            <a:endParaRPr lang="es-ES" dirty="0">
-              <a:latin typeface="Avenir Next" panose="020B0503020202020204"/>
-            </a:endParaRPr>
-          </a:p>
-        </p:txBody>
-      </p:sp>
-      <p:sp>
-        <p:nvSpPr>
-          <p:cNvPr id="3" name="内容占位符 2"/>
-          <p:cNvSpPr>
-            <a:spLocks noGrp="1"/>
-          </p:cNvSpPr>
-          <p:nvPr>
-            <p:ph idx="1"/>
-          </p:nvPr>
-        </p:nvSpPr>
-        <p:spPr/>
-        <p:txBody>
-          <a:bodyPr/>
-          <a:lstStyle/>
-          <a:p>
-            <a:r>
-              <a:rPr lang="es-ES" dirty="0" smtClean="0"/>
-              <a:t>Straight lines joint rather than curves</a:t>
-            </a:r>
-          </a:p>
-          <a:p>
-            <a:r>
-              <a:rPr lang="es-ES" dirty="0" smtClean="0"/>
-              <a:t>Use polynomial interpolation to smoothen</a:t>
-            </a:r>
-          </a:p>
-          <a:p>
-            <a:r>
-              <a:rPr lang="es-ES" dirty="0" smtClean="0"/>
-              <a:t>Live code</a:t>
-            </a:r>
-            <a:endParaRPr lang="es-ES" dirty="0"/>
-          </a:p>
-        </p:txBody>
-      </p:sp>
-    </p:spTree>
-    <p:extLst>
-      <p:ext uri="{BB962C8B-B14F-4D97-AF65-F5344CB8AC3E}">
-        <p14:creationId xmlns:p14="http://schemas.microsoft.com/office/powerpoint/2010/main" val="3904173830"/>
-      </p:ext>
-    </p:extLst>
-  </p:cSld>
-  <p:clrMapOvr>
-    <a:masterClrMapping/>
-  </p:clrMapOvr>
-  <p:timing>
-    <p:tnLst>
-      <p:par>
-        <p:cTn id="1" dur="indefinite" restart="never" nodeType="tmRoot"/>
-      </p:par>
-    </p:tnLst>
-  </p:timing>
-</p:sld>
-</file>
-
-<file path=ppt/slides/slide11.xml><?xml version="1.0" encoding="utf-8"?>
-<p:sld xmlns:a="http://schemas.openxmlformats.org/drawingml/2006/main" xmlns:r="http://schemas.openxmlformats.org/officeDocument/2006/relationships" xmlns:p="http://schemas.openxmlformats.org/presentationml/2006/main">
-  <p:cSld>
-    <p:spTree>
-      <p:nvGrpSpPr>
-        <p:cNvPr id="1" name=""/>
-        <p:cNvGrpSpPr/>
-        <p:nvPr/>
-      </p:nvGrpSpPr>
-      <p:grpSpPr>
-        <a:xfrm>
-          <a:off x="0" y="0"/>
-          <a:ext cx="0" cy="0"/>
-          <a:chOff x="0" y="0"/>
-          <a:chExt cx="0" cy="0"/>
-        </a:xfrm>
-      </p:grpSpPr>
-      <p:sp>
-        <p:nvSpPr>
-          <p:cNvPr id="2" name="标题 1"/>
-          <p:cNvSpPr>
-            <a:spLocks noGrp="1"/>
-          </p:cNvSpPr>
-          <p:nvPr>
-            <p:ph type="title"/>
-          </p:nvPr>
-        </p:nvSpPr>
         <p:spPr>
           <a:xfrm>
             <a:off x="1347890" y="2004865"/>
@@ -15470,7 +15351,7 @@
 </p:sld>
 </file>
 
-<file path=ppt/slides/slide12.xml><?xml version="1.0" encoding="utf-8"?>
+<file path=ppt/slides/slide11.xml><?xml version="1.0" encoding="utf-8"?>
 <p:sld xmlns:a="http://schemas.openxmlformats.org/drawingml/2006/main" xmlns:r="http://schemas.openxmlformats.org/officeDocument/2006/relationships" xmlns:p="http://schemas.openxmlformats.org/presentationml/2006/main">
   <p:cSld>
     <p:spTree>
@@ -15661,7 +15542,7 @@
 </p:sld>
 </file>
 
-<file path=ppt/slides/slide13.xml><?xml version="1.0" encoding="utf-8"?>
+<file path=ppt/slides/slide12.xml><?xml version="1.0" encoding="utf-8"?>
 <p:sld xmlns:a="http://schemas.openxmlformats.org/drawingml/2006/main" xmlns:r="http://schemas.openxmlformats.org/officeDocument/2006/relationships" xmlns:p="http://schemas.openxmlformats.org/presentationml/2006/main">
   <p:cSld>
     <p:spTree>
@@ -15802,7 +15683,7 @@
 </p:sld>
 </file>
 
-<file path=ppt/slides/slide14.xml><?xml version="1.0" encoding="utf-8"?>
+<file path=ppt/slides/slide13.xml><?xml version="1.0" encoding="utf-8"?>
 <p:sld xmlns:a="http://schemas.openxmlformats.org/drawingml/2006/main" xmlns:r="http://schemas.openxmlformats.org/officeDocument/2006/relationships" xmlns:p="http://schemas.openxmlformats.org/presentationml/2006/main">
   <p:cSld>
     <p:spTree>
@@ -16301,7 +16182,7 @@
 </p:sld>
 </file>
 
-<file path=ppt/slides/slide15.xml><?xml version="1.0" encoding="utf-8"?>
+<file path=ppt/slides/slide14.xml><?xml version="1.0" encoding="utf-8"?>
 <p:sld xmlns:a="http://schemas.openxmlformats.org/drawingml/2006/main" xmlns:r="http://schemas.openxmlformats.org/officeDocument/2006/relationships" xmlns:p="http://schemas.openxmlformats.org/presentationml/2006/main">
   <p:cSld>
     <p:spTree>
@@ -16446,7 +16327,7 @@
 </p:sld>
 </file>
 
-<file path=ppt/slides/slide16.xml><?xml version="1.0" encoding="utf-8"?>
+<file path=ppt/slides/slide15.xml><?xml version="1.0" encoding="utf-8"?>
 <p:sld xmlns:a="http://schemas.openxmlformats.org/drawingml/2006/main" xmlns:r="http://schemas.openxmlformats.org/officeDocument/2006/relationships" xmlns:p="http://schemas.openxmlformats.org/presentationml/2006/main">
   <p:cSld>
     <p:spTree>
@@ -16627,7 +16508,7 @@
 </p:sld>
 </file>
 
-<file path=ppt/slides/slide17.xml><?xml version="1.0" encoding="utf-8"?>
+<file path=ppt/slides/slide16.xml><?xml version="1.0" encoding="utf-8"?>
 <p:sld xmlns:a="http://schemas.openxmlformats.org/drawingml/2006/main" xmlns:r="http://schemas.openxmlformats.org/officeDocument/2006/relationships" xmlns:p="http://schemas.openxmlformats.org/presentationml/2006/main">
   <p:cSld>
     <p:spTree>
@@ -16672,16 +16553,7 @@
                 </a:solidFill>
                 <a:latin typeface="Avenir Next" panose="020B0503020202020204"/>
               </a:rPr>
-              <a:t>The end, thanks for your </a:t>
-            </a:r>
-            <a:r>
-              <a:rPr lang="en-US" dirty="0" smtClean="0">
-                <a:solidFill>
-                  <a:schemeClr val="bg2"/>
-                </a:solidFill>
-                <a:latin typeface="Avenir Next" panose="020B0503020202020204"/>
-              </a:rPr>
-              <a:t>attention!</a:t>
+              <a:t>The end, thanks for your attention!</a:t>
             </a:r>
             <a:endParaRPr lang="en-US" dirty="0">
               <a:solidFill>

--- a/Workshop 4: Polynomial Regression/Presentation.pptx
+++ b/Workshop 4: Polynomial Regression/Presentation.pptx
@@ -2801,7 +2801,7 @@
           <a:noFill/>
           <a:extLst>
             <a:ext uri="{909E8E84-426E-40dd-AFC4-6F175D3DCCD1}">
-              <a14:hiddenFill xmlns:a14="http://schemas.microsoft.com/office/drawing/2010/main" xmlns="">
+              <a14:hiddenFill xmlns="" xmlns:a14="http://schemas.microsoft.com/office/drawing/2010/main">
                 <a:solidFill>
                   <a:srgbClr val="FFFFFF"/>
                 </a:solidFill>
@@ -2861,7 +2861,7 @@
             </a:ln>
             <a:extLst>
               <a:ext uri="{91240B29-F687-4f45-9708-019B960494DF}">
-                <a14:hiddenLine xmlns:a14="http://schemas.microsoft.com/office/drawing/2010/main" xmlns="" w="9525">
+                <a14:hiddenLine xmlns="" xmlns:a14="http://schemas.microsoft.com/office/drawing/2010/main" w="9525">
                   <a:solidFill>
                     <a:srgbClr val="000000"/>
                   </a:solidFill>
@@ -2951,7 +2951,7 @@
             </a:ln>
             <a:extLst>
               <a:ext uri="{91240B29-F687-4f45-9708-019B960494DF}">
-                <a14:hiddenLine xmlns:a14="http://schemas.microsoft.com/office/drawing/2010/main" xmlns="" w="9525">
+                <a14:hiddenLine xmlns="" xmlns:a14="http://schemas.microsoft.com/office/drawing/2010/main" w="9525">
                   <a:solidFill>
                     <a:srgbClr val="000000"/>
                   </a:solidFill>
@@ -3041,7 +3041,7 @@
             </a:ln>
             <a:extLst>
               <a:ext uri="{91240B29-F687-4f45-9708-019B960494DF}">
-                <a14:hiddenLine xmlns:a14="http://schemas.microsoft.com/office/drawing/2010/main" xmlns="" w="9525">
+                <a14:hiddenLine xmlns="" xmlns:a14="http://schemas.microsoft.com/office/drawing/2010/main" w="9525">
                   <a:solidFill>
                     <a:srgbClr val="000000"/>
                   </a:solidFill>
@@ -3075,7 +3075,7 @@
             </a:ln>
             <a:extLst>
               <a:ext uri="{91240B29-F687-4f45-9708-019B960494DF}">
-                <a14:hiddenLine xmlns:a14="http://schemas.microsoft.com/office/drawing/2010/main" xmlns="" w="9525">
+                <a14:hiddenLine xmlns="" xmlns:a14="http://schemas.microsoft.com/office/drawing/2010/main" w="9525">
                   <a:solidFill>
                     <a:srgbClr val="000000"/>
                   </a:solidFill>
@@ -3165,7 +3165,7 @@
             </a:ln>
             <a:extLst>
               <a:ext uri="{91240B29-F687-4f45-9708-019B960494DF}">
-                <a14:hiddenLine xmlns:a14="http://schemas.microsoft.com/office/drawing/2010/main" xmlns="" w="9525">
+                <a14:hiddenLine xmlns="" xmlns:a14="http://schemas.microsoft.com/office/drawing/2010/main" w="9525">
                   <a:solidFill>
                     <a:srgbClr val="000000"/>
                   </a:solidFill>
@@ -3227,7 +3227,7 @@
             </a:ln>
             <a:extLst>
               <a:ext uri="{91240B29-F687-4f45-9708-019B960494DF}">
-                <a14:hiddenLine xmlns:a14="http://schemas.microsoft.com/office/drawing/2010/main" xmlns="" w="9525">
+                <a14:hiddenLine xmlns="" xmlns:a14="http://schemas.microsoft.com/office/drawing/2010/main" w="9525">
                   <a:solidFill>
                     <a:srgbClr val="000000"/>
                   </a:solidFill>
@@ -3289,7 +3289,7 @@
             </a:ln>
             <a:extLst>
               <a:ext uri="{91240B29-F687-4f45-9708-019B960494DF}">
-                <a14:hiddenLine xmlns:a14="http://schemas.microsoft.com/office/drawing/2010/main" xmlns="" w="9525">
+                <a14:hiddenLine xmlns="" xmlns:a14="http://schemas.microsoft.com/office/drawing/2010/main" w="9525">
                   <a:solidFill>
                     <a:srgbClr val="000000"/>
                   </a:solidFill>
@@ -3379,7 +3379,7 @@
             </a:ln>
             <a:extLst>
               <a:ext uri="{91240B29-F687-4f45-9708-019B960494DF}">
-                <a14:hiddenLine xmlns:a14="http://schemas.microsoft.com/office/drawing/2010/main" xmlns="" w="9525">
+                <a14:hiddenLine xmlns="" xmlns:a14="http://schemas.microsoft.com/office/drawing/2010/main" w="9525">
                   <a:solidFill>
                     <a:srgbClr val="000000"/>
                   </a:solidFill>
@@ -3441,7 +3441,7 @@
             </a:ln>
             <a:extLst>
               <a:ext uri="{91240B29-F687-4f45-9708-019B960494DF}">
-                <a14:hiddenLine xmlns:a14="http://schemas.microsoft.com/office/drawing/2010/main" xmlns="" w="9525">
+                <a14:hiddenLine xmlns="" xmlns:a14="http://schemas.microsoft.com/office/drawing/2010/main" w="9525">
                   <a:solidFill>
                     <a:srgbClr val="000000"/>
                   </a:solidFill>
@@ -3503,7 +3503,7 @@
             </a:ln>
             <a:extLst>
               <a:ext uri="{91240B29-F687-4f45-9708-019B960494DF}">
-                <a14:hiddenLine xmlns:a14="http://schemas.microsoft.com/office/drawing/2010/main" xmlns="" w="9525">
+                <a14:hiddenLine xmlns="" xmlns:a14="http://schemas.microsoft.com/office/drawing/2010/main" w="9525">
                   <a:solidFill>
                     <a:srgbClr val="000000"/>
                   </a:solidFill>
@@ -3593,7 +3593,7 @@
             </a:ln>
             <a:extLst>
               <a:ext uri="{91240B29-F687-4f45-9708-019B960494DF}">
-                <a14:hiddenLine xmlns:a14="http://schemas.microsoft.com/office/drawing/2010/main" xmlns="" w="9525">
+                <a14:hiddenLine xmlns="" xmlns:a14="http://schemas.microsoft.com/office/drawing/2010/main" w="9525">
                   <a:solidFill>
                     <a:srgbClr val="000000"/>
                   </a:solidFill>
@@ -3683,7 +3683,7 @@
             </a:ln>
             <a:extLst>
               <a:ext uri="{91240B29-F687-4f45-9708-019B960494DF}">
-                <a14:hiddenLine xmlns:a14="http://schemas.microsoft.com/office/drawing/2010/main" xmlns="" w="9525">
+                <a14:hiddenLine xmlns="" xmlns:a14="http://schemas.microsoft.com/office/drawing/2010/main" w="9525">
                   <a:solidFill>
                     <a:srgbClr val="000000"/>
                   </a:solidFill>
@@ -3745,7 +3745,7 @@
             </a:ln>
             <a:extLst>
               <a:ext uri="{91240B29-F687-4f45-9708-019B960494DF}">
-                <a14:hiddenLine xmlns:a14="http://schemas.microsoft.com/office/drawing/2010/main" xmlns="" w="9525">
+                <a14:hiddenLine xmlns="" xmlns:a14="http://schemas.microsoft.com/office/drawing/2010/main" w="9525">
                   <a:solidFill>
                     <a:srgbClr val="000000"/>
                   </a:solidFill>
@@ -3855,7 +3855,7 @@
             </a:ln>
             <a:extLst>
               <a:ext uri="{91240B29-F687-4f45-9708-019B960494DF}">
-                <a14:hiddenLine xmlns:a14="http://schemas.microsoft.com/office/drawing/2010/main" xmlns="" w="9525">
+                <a14:hiddenLine xmlns="" xmlns:a14="http://schemas.microsoft.com/office/drawing/2010/main" w="9525">
                   <a:solidFill>
                     <a:srgbClr val="000000"/>
                   </a:solidFill>
@@ -3917,7 +3917,7 @@
             </a:ln>
             <a:extLst>
               <a:ext uri="{91240B29-F687-4f45-9708-019B960494DF}">
-                <a14:hiddenLine xmlns:a14="http://schemas.microsoft.com/office/drawing/2010/main" xmlns="" w="9525">
+                <a14:hiddenLine xmlns="" xmlns:a14="http://schemas.microsoft.com/office/drawing/2010/main" w="9525">
                   <a:solidFill>
                     <a:srgbClr val="000000"/>
                   </a:solidFill>
@@ -4007,7 +4007,7 @@
             </a:ln>
             <a:extLst>
               <a:ext uri="{91240B29-F687-4f45-9708-019B960494DF}">
-                <a14:hiddenLine xmlns:a14="http://schemas.microsoft.com/office/drawing/2010/main" xmlns="" w="9525">
+                <a14:hiddenLine xmlns="" xmlns:a14="http://schemas.microsoft.com/office/drawing/2010/main" w="9525">
                   <a:solidFill>
                     <a:srgbClr val="000000"/>
                   </a:solidFill>
@@ -4097,7 +4097,7 @@
             </a:ln>
             <a:extLst>
               <a:ext uri="{91240B29-F687-4f45-9708-019B960494DF}">
-                <a14:hiddenLine xmlns:a14="http://schemas.microsoft.com/office/drawing/2010/main" xmlns="" w="9525">
+                <a14:hiddenLine xmlns="" xmlns:a14="http://schemas.microsoft.com/office/drawing/2010/main" w="9525">
                   <a:solidFill>
                     <a:srgbClr val="000000"/>
                   </a:solidFill>
@@ -4159,7 +4159,7 @@
             </a:ln>
             <a:extLst>
               <a:ext uri="{91240B29-F687-4f45-9708-019B960494DF}">
-                <a14:hiddenLine xmlns:a14="http://schemas.microsoft.com/office/drawing/2010/main" xmlns="" w="9525">
+                <a14:hiddenLine xmlns="" xmlns:a14="http://schemas.microsoft.com/office/drawing/2010/main" w="9525">
                   <a:solidFill>
                     <a:srgbClr val="000000"/>
                   </a:solidFill>
@@ -4249,7 +4249,7 @@
             </a:ln>
             <a:extLst>
               <a:ext uri="{91240B29-F687-4f45-9708-019B960494DF}">
-                <a14:hiddenLine xmlns:a14="http://schemas.microsoft.com/office/drawing/2010/main" xmlns="" w="9525">
+                <a14:hiddenLine xmlns="" xmlns:a14="http://schemas.microsoft.com/office/drawing/2010/main" w="9525">
                   <a:solidFill>
                     <a:srgbClr val="000000"/>
                   </a:solidFill>
@@ -4339,7 +4339,7 @@
             </a:ln>
             <a:extLst>
               <a:ext uri="{91240B29-F687-4f45-9708-019B960494DF}">
-                <a14:hiddenLine xmlns:a14="http://schemas.microsoft.com/office/drawing/2010/main" xmlns="" w="9525">
+                <a14:hiddenLine xmlns="" xmlns:a14="http://schemas.microsoft.com/office/drawing/2010/main" w="9525">
                   <a:solidFill>
                     <a:srgbClr val="000000"/>
                   </a:solidFill>
@@ -4395,7 +4395,7 @@
             </a:ln>
             <a:extLst>
               <a:ext uri="{91240B29-F687-4f45-9708-019B960494DF}">
-                <a14:hiddenLine xmlns:a14="http://schemas.microsoft.com/office/drawing/2010/main" xmlns="" w="9525">
+                <a14:hiddenLine xmlns="" xmlns:a14="http://schemas.microsoft.com/office/drawing/2010/main" w="9525">
                   <a:solidFill>
                     <a:srgbClr val="000000"/>
                   </a:solidFill>
@@ -4485,7 +4485,7 @@
             </a:ln>
             <a:extLst>
               <a:ext uri="{91240B29-F687-4f45-9708-019B960494DF}">
-                <a14:hiddenLine xmlns:a14="http://schemas.microsoft.com/office/drawing/2010/main" xmlns="" w="9525">
+                <a14:hiddenLine xmlns="" xmlns:a14="http://schemas.microsoft.com/office/drawing/2010/main" w="9525">
                   <a:solidFill>
                     <a:srgbClr val="000000"/>
                   </a:solidFill>
@@ -4541,7 +4541,7 @@
             </a:ln>
             <a:extLst>
               <a:ext uri="{91240B29-F687-4f45-9708-019B960494DF}">
-                <a14:hiddenLine xmlns:a14="http://schemas.microsoft.com/office/drawing/2010/main" xmlns="" w="9525">
+                <a14:hiddenLine xmlns="" xmlns:a14="http://schemas.microsoft.com/office/drawing/2010/main" w="9525">
                   <a:solidFill>
                     <a:srgbClr val="000000"/>
                   </a:solidFill>
@@ -4631,7 +4631,7 @@
             </a:ln>
             <a:extLst>
               <a:ext uri="{91240B29-F687-4f45-9708-019B960494DF}">
-                <a14:hiddenLine xmlns:a14="http://schemas.microsoft.com/office/drawing/2010/main" xmlns="" w="9525">
+                <a14:hiddenLine xmlns="" xmlns:a14="http://schemas.microsoft.com/office/drawing/2010/main" w="9525">
                   <a:solidFill>
                     <a:srgbClr val="000000"/>
                   </a:solidFill>
@@ -4699,7 +4699,7 @@
             </a:ln>
             <a:extLst>
               <a:ext uri="{91240B29-F687-4f45-9708-019B960494DF}">
-                <a14:hiddenLine xmlns:a14="http://schemas.microsoft.com/office/drawing/2010/main" xmlns="" w="9525">
+                <a14:hiddenLine xmlns="" xmlns:a14="http://schemas.microsoft.com/office/drawing/2010/main" w="9525">
                   <a:solidFill>
                     <a:srgbClr val="000000"/>
                   </a:solidFill>
@@ -4789,7 +4789,7 @@
             </a:ln>
             <a:extLst>
               <a:ext uri="{91240B29-F687-4f45-9708-019B960494DF}">
-                <a14:hiddenLine xmlns:a14="http://schemas.microsoft.com/office/drawing/2010/main" xmlns="" w="9525">
+                <a14:hiddenLine xmlns="" xmlns:a14="http://schemas.microsoft.com/office/drawing/2010/main" w="9525">
                   <a:solidFill>
                     <a:srgbClr val="000000"/>
                   </a:solidFill>
@@ -4857,7 +4857,7 @@
             </a:ln>
             <a:extLst>
               <a:ext uri="{91240B29-F687-4f45-9708-019B960494DF}">
-                <a14:hiddenLine xmlns:a14="http://schemas.microsoft.com/office/drawing/2010/main" xmlns="" w="9525">
+                <a14:hiddenLine xmlns="" xmlns:a14="http://schemas.microsoft.com/office/drawing/2010/main" w="9525">
                   <a:solidFill>
                     <a:srgbClr val="000000"/>
                   </a:solidFill>
@@ -4947,7 +4947,7 @@
             </a:ln>
             <a:extLst>
               <a:ext uri="{91240B29-F687-4f45-9708-019B960494DF}">
-                <a14:hiddenLine xmlns:a14="http://schemas.microsoft.com/office/drawing/2010/main" xmlns="" w="9525">
+                <a14:hiddenLine xmlns="" xmlns:a14="http://schemas.microsoft.com/office/drawing/2010/main" w="9525">
                   <a:solidFill>
                     <a:srgbClr val="000000"/>
                   </a:solidFill>
@@ -4981,7 +4981,7 @@
             </a:ln>
             <a:extLst>
               <a:ext uri="{91240B29-F687-4f45-9708-019B960494DF}">
-                <a14:hiddenLine xmlns:a14="http://schemas.microsoft.com/office/drawing/2010/main" xmlns="" w="9525">
+                <a14:hiddenLine xmlns="" xmlns:a14="http://schemas.microsoft.com/office/drawing/2010/main" w="9525">
                   <a:solidFill>
                     <a:srgbClr val="000000"/>
                   </a:solidFill>
@@ -5071,7 +5071,7 @@
             </a:ln>
             <a:extLst>
               <a:ext uri="{91240B29-F687-4f45-9708-019B960494DF}">
-                <a14:hiddenLine xmlns:a14="http://schemas.microsoft.com/office/drawing/2010/main" xmlns="" w="9525">
+                <a14:hiddenLine xmlns="" xmlns:a14="http://schemas.microsoft.com/office/drawing/2010/main" w="9525">
                   <a:solidFill>
                     <a:srgbClr val="000000"/>
                   </a:solidFill>
@@ -5133,7 +5133,7 @@
             </a:ln>
             <a:extLst>
               <a:ext uri="{91240B29-F687-4f45-9708-019B960494DF}">
-                <a14:hiddenLine xmlns:a14="http://schemas.microsoft.com/office/drawing/2010/main" xmlns="" w="9525">
+                <a14:hiddenLine xmlns="" xmlns:a14="http://schemas.microsoft.com/office/drawing/2010/main" w="9525">
                   <a:solidFill>
                     <a:srgbClr val="000000"/>
                   </a:solidFill>
@@ -5195,7 +5195,7 @@
             </a:ln>
             <a:extLst>
               <a:ext uri="{91240B29-F687-4f45-9708-019B960494DF}">
-                <a14:hiddenLine xmlns:a14="http://schemas.microsoft.com/office/drawing/2010/main" xmlns="" w="9525">
+                <a14:hiddenLine xmlns="" xmlns:a14="http://schemas.microsoft.com/office/drawing/2010/main" w="9525">
                   <a:solidFill>
                     <a:srgbClr val="000000"/>
                   </a:solidFill>
@@ -5285,7 +5285,7 @@
             </a:ln>
             <a:extLst>
               <a:ext uri="{91240B29-F687-4f45-9708-019B960494DF}">
-                <a14:hiddenLine xmlns:a14="http://schemas.microsoft.com/office/drawing/2010/main" xmlns="" w="9525">
+                <a14:hiddenLine xmlns="" xmlns:a14="http://schemas.microsoft.com/office/drawing/2010/main" w="9525">
                   <a:solidFill>
                     <a:srgbClr val="000000"/>
                   </a:solidFill>
@@ -5353,7 +5353,7 @@
             </a:ln>
             <a:extLst>
               <a:ext uri="{91240B29-F687-4f45-9708-019B960494DF}">
-                <a14:hiddenLine xmlns:a14="http://schemas.microsoft.com/office/drawing/2010/main" xmlns="" w="9525">
+                <a14:hiddenLine xmlns="" xmlns:a14="http://schemas.microsoft.com/office/drawing/2010/main" w="9525">
                   <a:solidFill>
                     <a:srgbClr val="000000"/>
                   </a:solidFill>
@@ -5415,7 +5415,7 @@
             </a:ln>
             <a:extLst>
               <a:ext uri="{91240B29-F687-4f45-9708-019B960494DF}">
-                <a14:hiddenLine xmlns:a14="http://schemas.microsoft.com/office/drawing/2010/main" xmlns="" w="9525">
+                <a14:hiddenLine xmlns="" xmlns:a14="http://schemas.microsoft.com/office/drawing/2010/main" w="9525">
                   <a:solidFill>
                     <a:srgbClr val="000000"/>
                   </a:solidFill>
@@ -5505,7 +5505,7 @@
             </a:ln>
             <a:extLst>
               <a:ext uri="{91240B29-F687-4f45-9708-019B960494DF}">
-                <a14:hiddenLine xmlns:a14="http://schemas.microsoft.com/office/drawing/2010/main" xmlns="" w="9525">
+                <a14:hiddenLine xmlns="" xmlns:a14="http://schemas.microsoft.com/office/drawing/2010/main" w="9525">
                   <a:solidFill>
                     <a:srgbClr val="000000"/>
                   </a:solidFill>
@@ -5567,7 +5567,7 @@
             </a:ln>
             <a:extLst>
               <a:ext uri="{91240B29-F687-4f45-9708-019B960494DF}">
-                <a14:hiddenLine xmlns:a14="http://schemas.microsoft.com/office/drawing/2010/main" xmlns="" w="9525">
+                <a14:hiddenLine xmlns="" xmlns:a14="http://schemas.microsoft.com/office/drawing/2010/main" w="9525">
                   <a:solidFill>
                     <a:srgbClr val="000000"/>
                   </a:solidFill>
@@ -5657,7 +5657,7 @@
             </a:ln>
             <a:extLst>
               <a:ext uri="{91240B29-F687-4f45-9708-019B960494DF}">
-                <a14:hiddenLine xmlns:a14="http://schemas.microsoft.com/office/drawing/2010/main" xmlns="" w="9525">
+                <a14:hiddenLine xmlns="" xmlns:a14="http://schemas.microsoft.com/office/drawing/2010/main" w="9525">
                   <a:solidFill>
                     <a:srgbClr val="000000"/>
                   </a:solidFill>
@@ -5719,7 +5719,7 @@
             </a:ln>
             <a:extLst>
               <a:ext uri="{91240B29-F687-4f45-9708-019B960494DF}">
-                <a14:hiddenLine xmlns:a14="http://schemas.microsoft.com/office/drawing/2010/main" xmlns="" w="9525">
+                <a14:hiddenLine xmlns="" xmlns:a14="http://schemas.microsoft.com/office/drawing/2010/main" w="9525">
                   <a:solidFill>
                     <a:srgbClr val="000000"/>
                   </a:solidFill>
@@ -5809,7 +5809,7 @@
             </a:ln>
             <a:extLst>
               <a:ext uri="{91240B29-F687-4f45-9708-019B960494DF}">
-                <a14:hiddenLine xmlns:a14="http://schemas.microsoft.com/office/drawing/2010/main" xmlns="" w="9525">
+                <a14:hiddenLine xmlns="" xmlns:a14="http://schemas.microsoft.com/office/drawing/2010/main" w="9525">
                   <a:solidFill>
                     <a:srgbClr val="000000"/>
                   </a:solidFill>
@@ -5843,7 +5843,7 @@
             </a:ln>
             <a:extLst>
               <a:ext uri="{91240B29-F687-4f45-9708-019B960494DF}">
-                <a14:hiddenLine xmlns:a14="http://schemas.microsoft.com/office/drawing/2010/main" xmlns="" w="9525">
+                <a14:hiddenLine xmlns="" xmlns:a14="http://schemas.microsoft.com/office/drawing/2010/main" w="9525">
                   <a:solidFill>
                     <a:srgbClr val="000000"/>
                   </a:solidFill>
@@ -5908,7 +5908,7 @@
             </a:ln>
             <a:extLst>
               <a:ext uri="{91240B29-F687-4f45-9708-019B960494DF}">
-                <a14:hiddenLine xmlns:a14="http://schemas.microsoft.com/office/drawing/2010/main" xmlns="" w="9525">
+                <a14:hiddenLine xmlns="" xmlns:a14="http://schemas.microsoft.com/office/drawing/2010/main" w="9525">
                   <a:solidFill>
                     <a:srgbClr val="000000"/>
                   </a:solidFill>
@@ -5998,7 +5998,7 @@
             </a:ln>
             <a:extLst>
               <a:ext uri="{91240B29-F687-4f45-9708-019B960494DF}">
-                <a14:hiddenLine xmlns:a14="http://schemas.microsoft.com/office/drawing/2010/main" xmlns="" w="9525">
+                <a14:hiddenLine xmlns="" xmlns:a14="http://schemas.microsoft.com/office/drawing/2010/main" w="9525">
                   <a:solidFill>
                     <a:srgbClr val="000000"/>
                   </a:solidFill>
@@ -6060,7 +6060,7 @@
             </a:ln>
             <a:extLst>
               <a:ext uri="{91240B29-F687-4f45-9708-019B960494DF}">
-                <a14:hiddenLine xmlns:a14="http://schemas.microsoft.com/office/drawing/2010/main" xmlns="" w="9525">
+                <a14:hiddenLine xmlns="" xmlns:a14="http://schemas.microsoft.com/office/drawing/2010/main" w="9525">
                   <a:solidFill>
                     <a:srgbClr val="000000"/>
                   </a:solidFill>
@@ -6150,7 +6150,7 @@
             </a:ln>
             <a:extLst>
               <a:ext uri="{91240B29-F687-4f45-9708-019B960494DF}">
-                <a14:hiddenLine xmlns:a14="http://schemas.microsoft.com/office/drawing/2010/main" xmlns="" w="9525">
+                <a14:hiddenLine xmlns="" xmlns:a14="http://schemas.microsoft.com/office/drawing/2010/main" w="9525">
                   <a:solidFill>
                     <a:srgbClr val="000000"/>
                   </a:solidFill>
@@ -6240,7 +6240,7 @@
             </a:ln>
             <a:extLst>
               <a:ext uri="{91240B29-F687-4f45-9708-019B960494DF}">
-                <a14:hiddenLine xmlns:a14="http://schemas.microsoft.com/office/drawing/2010/main" xmlns="" w="9525">
+                <a14:hiddenLine xmlns="" xmlns:a14="http://schemas.microsoft.com/office/drawing/2010/main" w="9525">
                   <a:solidFill>
                     <a:srgbClr val="000000"/>
                   </a:solidFill>
@@ -6305,7 +6305,7 @@
             </a:ln>
             <a:extLst>
               <a:ext uri="{91240B29-F687-4f45-9708-019B960494DF}">
-                <a14:hiddenLine xmlns:a14="http://schemas.microsoft.com/office/drawing/2010/main" xmlns="" w="9525">
+                <a14:hiddenLine xmlns="" xmlns:a14="http://schemas.microsoft.com/office/drawing/2010/main" w="9525">
                   <a:solidFill>
                     <a:srgbClr val="000000"/>
                   </a:solidFill>
@@ -6367,7 +6367,7 @@
             </a:ln>
             <a:extLst>
               <a:ext uri="{91240B29-F687-4f45-9708-019B960494DF}">
-                <a14:hiddenLine xmlns:a14="http://schemas.microsoft.com/office/drawing/2010/main" xmlns="" w="9525">
+                <a14:hiddenLine xmlns="" xmlns:a14="http://schemas.microsoft.com/office/drawing/2010/main" w="9525">
                   <a:solidFill>
                     <a:srgbClr val="000000"/>
                   </a:solidFill>
@@ -6457,7 +6457,7 @@
             </a:ln>
             <a:extLst>
               <a:ext uri="{91240B29-F687-4f45-9708-019B960494DF}">
-                <a14:hiddenLine xmlns:a14="http://schemas.microsoft.com/office/drawing/2010/main" xmlns="" w="9525">
+                <a14:hiddenLine xmlns="" xmlns:a14="http://schemas.microsoft.com/office/drawing/2010/main" w="9525">
                   <a:solidFill>
                     <a:srgbClr val="000000"/>
                   </a:solidFill>
@@ -6547,7 +6547,7 @@
             </a:ln>
             <a:extLst>
               <a:ext uri="{91240B29-F687-4f45-9708-019B960494DF}">
-                <a14:hiddenLine xmlns:a14="http://schemas.microsoft.com/office/drawing/2010/main" xmlns="" w="9525">
+                <a14:hiddenLine xmlns="" xmlns:a14="http://schemas.microsoft.com/office/drawing/2010/main" w="9525">
                   <a:solidFill>
                     <a:srgbClr val="000000"/>
                   </a:solidFill>
@@ -6609,7 +6609,7 @@
             </a:ln>
             <a:extLst>
               <a:ext uri="{91240B29-F687-4f45-9708-019B960494DF}">
-                <a14:hiddenLine xmlns:a14="http://schemas.microsoft.com/office/drawing/2010/main" xmlns="" w="9525">
+                <a14:hiddenLine xmlns="" xmlns:a14="http://schemas.microsoft.com/office/drawing/2010/main" w="9525">
                   <a:solidFill>
                     <a:srgbClr val="000000"/>
                   </a:solidFill>
@@ -6729,7 +6729,7 @@
             </a:ln>
             <a:extLst>
               <a:ext uri="{91240B29-F687-4f45-9708-019B960494DF}">
-                <a14:hiddenLine xmlns:a14="http://schemas.microsoft.com/office/drawing/2010/main" xmlns="" w="9525">
+                <a14:hiddenLine xmlns="" xmlns:a14="http://schemas.microsoft.com/office/drawing/2010/main" w="9525">
                   <a:solidFill>
                     <a:srgbClr val="000000"/>
                   </a:solidFill>
@@ -6797,7 +6797,7 @@
             </a:ln>
             <a:extLst>
               <a:ext uri="{91240B29-F687-4f45-9708-019B960494DF}">
-                <a14:hiddenLine xmlns:a14="http://schemas.microsoft.com/office/drawing/2010/main" xmlns="" w="9525">
+                <a14:hiddenLine xmlns="" xmlns:a14="http://schemas.microsoft.com/office/drawing/2010/main" w="9525">
                   <a:solidFill>
                     <a:srgbClr val="000000"/>
                   </a:solidFill>
@@ -6887,7 +6887,7 @@
             </a:ln>
             <a:extLst>
               <a:ext uri="{91240B29-F687-4f45-9708-019B960494DF}">
-                <a14:hiddenLine xmlns:a14="http://schemas.microsoft.com/office/drawing/2010/main" xmlns="" w="9525">
+                <a14:hiddenLine xmlns="" xmlns:a14="http://schemas.microsoft.com/office/drawing/2010/main" w="9525">
                   <a:solidFill>
                     <a:srgbClr val="000000"/>
                   </a:solidFill>
@@ -11694,7 +11694,7 @@
           <a:noFill/>
           <a:extLst>
             <a:ext uri="{909E8E84-426E-40dd-AFC4-6F175D3DCCD1}">
-              <a14:hiddenFill xmlns:a14="http://schemas.microsoft.com/office/drawing/2010/main" xmlns="">
+              <a14:hiddenFill xmlns="" xmlns:a14="http://schemas.microsoft.com/office/drawing/2010/main">
                 <a:solidFill>
                   <a:srgbClr val="FFFFFF"/>
                 </a:solidFill>
@@ -11768,7 +11768,7 @@
               </a:ln>
               <a:extLst>
                 <a:ext uri="{91240B29-F687-4f45-9708-019B960494DF}">
-                  <a14:hiddenLine xmlns:a14="http://schemas.microsoft.com/office/drawing/2010/main" xmlns="" w="9525">
+                  <a14:hiddenLine xmlns="" xmlns:a14="http://schemas.microsoft.com/office/drawing/2010/main" w="9525">
                     <a:solidFill>
                       <a:srgbClr val="000000"/>
                     </a:solidFill>
@@ -11858,7 +11858,7 @@
               </a:ln>
               <a:extLst>
                 <a:ext uri="{91240B29-F687-4f45-9708-019B960494DF}">
-                  <a14:hiddenLine xmlns:a14="http://schemas.microsoft.com/office/drawing/2010/main" xmlns="" w="9525">
+                  <a14:hiddenLine xmlns="" xmlns:a14="http://schemas.microsoft.com/office/drawing/2010/main" w="9525">
                     <a:solidFill>
                       <a:srgbClr val="000000"/>
                     </a:solidFill>
@@ -11948,7 +11948,7 @@
               </a:ln>
               <a:extLst>
                 <a:ext uri="{91240B29-F687-4f45-9708-019B960494DF}">
-                  <a14:hiddenLine xmlns:a14="http://schemas.microsoft.com/office/drawing/2010/main" xmlns="" w="9525">
+                  <a14:hiddenLine xmlns="" xmlns:a14="http://schemas.microsoft.com/office/drawing/2010/main" w="9525">
                     <a:solidFill>
                       <a:srgbClr val="000000"/>
                     </a:solidFill>
@@ -12010,7 +12010,7 @@
               </a:ln>
               <a:extLst>
                 <a:ext uri="{91240B29-F687-4f45-9708-019B960494DF}">
-                  <a14:hiddenLine xmlns:a14="http://schemas.microsoft.com/office/drawing/2010/main" xmlns="" w="9525">
+                  <a14:hiddenLine xmlns="" xmlns:a14="http://schemas.microsoft.com/office/drawing/2010/main" w="9525">
                     <a:solidFill>
                       <a:srgbClr val="000000"/>
                     </a:solidFill>
@@ -12100,7 +12100,7 @@
               </a:ln>
               <a:extLst>
                 <a:ext uri="{91240B29-F687-4f45-9708-019B960494DF}">
-                  <a14:hiddenLine xmlns:a14="http://schemas.microsoft.com/office/drawing/2010/main" xmlns="" w="9525">
+                  <a14:hiddenLine xmlns="" xmlns:a14="http://schemas.microsoft.com/office/drawing/2010/main" w="9525">
                     <a:solidFill>
                       <a:srgbClr val="000000"/>
                     </a:solidFill>
@@ -12162,7 +12162,7 @@
               </a:ln>
               <a:extLst>
                 <a:ext uri="{91240B29-F687-4f45-9708-019B960494DF}">
-                  <a14:hiddenLine xmlns:a14="http://schemas.microsoft.com/office/drawing/2010/main" xmlns="" w="9525">
+                  <a14:hiddenLine xmlns="" xmlns:a14="http://schemas.microsoft.com/office/drawing/2010/main" w="9525">
                     <a:solidFill>
                       <a:srgbClr val="000000"/>
                     </a:solidFill>
@@ -12224,7 +12224,7 @@
               </a:ln>
               <a:extLst>
                 <a:ext uri="{91240B29-F687-4f45-9708-019B960494DF}">
-                  <a14:hiddenLine xmlns:a14="http://schemas.microsoft.com/office/drawing/2010/main" xmlns="" w="9525">
+                  <a14:hiddenLine xmlns="" xmlns:a14="http://schemas.microsoft.com/office/drawing/2010/main" w="9525">
                     <a:solidFill>
                       <a:srgbClr val="000000"/>
                     </a:solidFill>
@@ -12314,7 +12314,7 @@
               </a:ln>
               <a:extLst>
                 <a:ext uri="{91240B29-F687-4f45-9708-019B960494DF}">
-                  <a14:hiddenLine xmlns:a14="http://schemas.microsoft.com/office/drawing/2010/main" xmlns="" w="9525">
+                  <a14:hiddenLine xmlns="" xmlns:a14="http://schemas.microsoft.com/office/drawing/2010/main" w="9525">
                     <a:solidFill>
                       <a:srgbClr val="000000"/>
                     </a:solidFill>
@@ -12404,7 +12404,7 @@
               </a:ln>
               <a:extLst>
                 <a:ext uri="{91240B29-F687-4f45-9708-019B960494DF}">
-                  <a14:hiddenLine xmlns:a14="http://schemas.microsoft.com/office/drawing/2010/main" xmlns="" w="9525">
+                  <a14:hiddenLine xmlns="" xmlns:a14="http://schemas.microsoft.com/office/drawing/2010/main" w="9525">
                     <a:solidFill>
                       <a:srgbClr val="000000"/>
                     </a:solidFill>
@@ -12466,7 +12466,7 @@
               </a:ln>
               <a:extLst>
                 <a:ext uri="{91240B29-F687-4f45-9708-019B960494DF}">
-                  <a14:hiddenLine xmlns:a14="http://schemas.microsoft.com/office/drawing/2010/main" xmlns="" w="9525">
+                  <a14:hiddenLine xmlns="" xmlns:a14="http://schemas.microsoft.com/office/drawing/2010/main" w="9525">
                     <a:solidFill>
                       <a:srgbClr val="000000"/>
                     </a:solidFill>
@@ -12576,7 +12576,7 @@
               </a:ln>
               <a:extLst>
                 <a:ext uri="{91240B29-F687-4f45-9708-019B960494DF}">
-                  <a14:hiddenLine xmlns:a14="http://schemas.microsoft.com/office/drawing/2010/main" xmlns="" w="9525">
+                  <a14:hiddenLine xmlns="" xmlns:a14="http://schemas.microsoft.com/office/drawing/2010/main" w="9525">
                     <a:solidFill>
                       <a:srgbClr val="000000"/>
                     </a:solidFill>
@@ -12660,7 +12660,7 @@
               </a:ln>
               <a:extLst>
                 <a:ext uri="{91240B29-F687-4f45-9708-019B960494DF}">
-                  <a14:hiddenLine xmlns:a14="http://schemas.microsoft.com/office/drawing/2010/main" xmlns="" w="9525">
+                  <a14:hiddenLine xmlns="" xmlns:a14="http://schemas.microsoft.com/office/drawing/2010/main" w="9525">
                     <a:solidFill>
                       <a:srgbClr val="000000"/>
                     </a:solidFill>
@@ -12722,7 +12722,7 @@
               </a:ln>
               <a:extLst>
                 <a:ext uri="{91240B29-F687-4f45-9708-019B960494DF}">
-                  <a14:hiddenLine xmlns:a14="http://schemas.microsoft.com/office/drawing/2010/main" xmlns="" w="9525">
+                  <a14:hiddenLine xmlns="" xmlns:a14="http://schemas.microsoft.com/office/drawing/2010/main" w="9525">
                     <a:solidFill>
                       <a:srgbClr val="000000"/>
                     </a:solidFill>
@@ -12784,7 +12784,7 @@
               </a:ln>
               <a:extLst>
                 <a:ext uri="{91240B29-F687-4f45-9708-019B960494DF}">
-                  <a14:hiddenLine xmlns:a14="http://schemas.microsoft.com/office/drawing/2010/main" xmlns="" w="9525">
+                  <a14:hiddenLine xmlns="" xmlns:a14="http://schemas.microsoft.com/office/drawing/2010/main" w="9525">
                     <a:solidFill>
                       <a:srgbClr val="000000"/>
                     </a:solidFill>
@@ -12874,7 +12874,7 @@
               </a:ln>
               <a:extLst>
                 <a:ext uri="{91240B29-F687-4f45-9708-019B960494DF}">
-                  <a14:hiddenLine xmlns:a14="http://schemas.microsoft.com/office/drawing/2010/main" xmlns="" w="9525">
+                  <a14:hiddenLine xmlns="" xmlns:a14="http://schemas.microsoft.com/office/drawing/2010/main" w="9525">
                     <a:solidFill>
                       <a:srgbClr val="000000"/>
                     </a:solidFill>
@@ -12908,7 +12908,7 @@
               </a:ln>
               <a:extLst>
                 <a:ext uri="{91240B29-F687-4f45-9708-019B960494DF}">
-                  <a14:hiddenLine xmlns:a14="http://schemas.microsoft.com/office/drawing/2010/main" xmlns="" w="9525">
+                  <a14:hiddenLine xmlns="" xmlns:a14="http://schemas.microsoft.com/office/drawing/2010/main" w="9525">
                     <a:solidFill>
                       <a:srgbClr val="000000"/>
                     </a:solidFill>
@@ -12973,7 +12973,7 @@
               </a:ln>
               <a:extLst>
                 <a:ext uri="{91240B29-F687-4f45-9708-019B960494DF}">
-                  <a14:hiddenLine xmlns:a14="http://schemas.microsoft.com/office/drawing/2010/main" xmlns="" w="9525">
+                  <a14:hiddenLine xmlns="" xmlns:a14="http://schemas.microsoft.com/office/drawing/2010/main" w="9525">
                     <a:solidFill>
                       <a:srgbClr val="000000"/>
                     </a:solidFill>
@@ -13063,7 +13063,7 @@
               </a:ln>
               <a:extLst>
                 <a:ext uri="{91240B29-F687-4f45-9708-019B960494DF}">
-                  <a14:hiddenLine xmlns:a14="http://schemas.microsoft.com/office/drawing/2010/main" xmlns="" w="9525">
+                  <a14:hiddenLine xmlns="" xmlns:a14="http://schemas.microsoft.com/office/drawing/2010/main" w="9525">
                     <a:solidFill>
                       <a:srgbClr val="000000"/>
                     </a:solidFill>
@@ -13125,7 +13125,7 @@
               </a:ln>
               <a:extLst>
                 <a:ext uri="{91240B29-F687-4f45-9708-019B960494DF}">
-                  <a14:hiddenLine xmlns:a14="http://schemas.microsoft.com/office/drawing/2010/main" xmlns="" w="9525">
+                  <a14:hiddenLine xmlns="" xmlns:a14="http://schemas.microsoft.com/office/drawing/2010/main" w="9525">
                     <a:solidFill>
                       <a:srgbClr val="000000"/>
                     </a:solidFill>
@@ -13215,7 +13215,7 @@
               </a:ln>
               <a:extLst>
                 <a:ext uri="{91240B29-F687-4f45-9708-019B960494DF}">
-                  <a14:hiddenLine xmlns:a14="http://schemas.microsoft.com/office/drawing/2010/main" xmlns="" w="9525">
+                  <a14:hiddenLine xmlns="" xmlns:a14="http://schemas.microsoft.com/office/drawing/2010/main" w="9525">
                     <a:solidFill>
                       <a:srgbClr val="000000"/>
                     </a:solidFill>
@@ -13280,7 +13280,7 @@
               </a:ln>
               <a:extLst>
                 <a:ext uri="{91240B29-F687-4f45-9708-019B960494DF}">
-                  <a14:hiddenLine xmlns:a14="http://schemas.microsoft.com/office/drawing/2010/main" xmlns="" w="9525">
+                  <a14:hiddenLine xmlns="" xmlns:a14="http://schemas.microsoft.com/office/drawing/2010/main" w="9525">
                     <a:solidFill>
                       <a:srgbClr val="000000"/>
                     </a:solidFill>
@@ -13342,7 +13342,7 @@
               </a:ln>
               <a:extLst>
                 <a:ext uri="{91240B29-F687-4f45-9708-019B960494DF}">
-                  <a14:hiddenLine xmlns:a14="http://schemas.microsoft.com/office/drawing/2010/main" xmlns="" w="9525">
+                  <a14:hiddenLine xmlns="" xmlns:a14="http://schemas.microsoft.com/office/drawing/2010/main" w="9525">
                     <a:solidFill>
                       <a:srgbClr val="000000"/>
                     </a:solidFill>
@@ -13432,7 +13432,7 @@
               </a:ln>
               <a:extLst>
                 <a:ext uri="{91240B29-F687-4f45-9708-019B960494DF}">
-                  <a14:hiddenLine xmlns:a14="http://schemas.microsoft.com/office/drawing/2010/main" xmlns="" w="9525">
+                  <a14:hiddenLine xmlns="" xmlns:a14="http://schemas.microsoft.com/office/drawing/2010/main" w="9525">
                     <a:solidFill>
                       <a:srgbClr val="000000"/>
                     </a:solidFill>
@@ -13522,7 +13522,7 @@
               </a:ln>
               <a:extLst>
                 <a:ext uri="{91240B29-F687-4f45-9708-019B960494DF}">
-                  <a14:hiddenLine xmlns:a14="http://schemas.microsoft.com/office/drawing/2010/main" xmlns="" w="9525">
+                  <a14:hiddenLine xmlns="" xmlns:a14="http://schemas.microsoft.com/office/drawing/2010/main" w="9525">
                     <a:solidFill>
                       <a:srgbClr val="000000"/>
                     </a:solidFill>
@@ -13587,7 +13587,7 @@
               </a:ln>
               <a:extLst>
                 <a:ext uri="{91240B29-F687-4f45-9708-019B960494DF}">
-                  <a14:hiddenLine xmlns:a14="http://schemas.microsoft.com/office/drawing/2010/main" xmlns="" w="9525">
+                  <a14:hiddenLine xmlns="" xmlns:a14="http://schemas.microsoft.com/office/drawing/2010/main" w="9525">
                     <a:solidFill>
                       <a:srgbClr val="000000"/>
                     </a:solidFill>
@@ -13707,7 +13707,7 @@
               </a:ln>
               <a:extLst>
                 <a:ext uri="{91240B29-F687-4f45-9708-019B960494DF}">
-                  <a14:hiddenLine xmlns:a14="http://schemas.microsoft.com/office/drawing/2010/main" xmlns="" w="9525">
+                  <a14:hiddenLine xmlns="" xmlns:a14="http://schemas.microsoft.com/office/drawing/2010/main" w="9525">
                     <a:solidFill>
                       <a:srgbClr val="000000"/>
                     </a:solidFill>
@@ -13805,7 +13805,7 @@
               </a:ln>
               <a:extLst>
                 <a:ext uri="{91240B29-F687-4f45-9708-019B960494DF}">
-                  <a14:hiddenLine xmlns:a14="http://schemas.microsoft.com/office/drawing/2010/main" xmlns="" w="9525">
+                  <a14:hiddenLine xmlns="" xmlns:a14="http://schemas.microsoft.com/office/drawing/2010/main" w="9525">
                     <a:solidFill>
                       <a:srgbClr val="000000"/>
                     </a:solidFill>
@@ -13920,7 +13920,7 @@
               </a:ln>
               <a:extLst>
                 <a:ext uri="{91240B29-F687-4f45-9708-019B960494DF}">
-                  <a14:hiddenLine xmlns:a14="http://schemas.microsoft.com/office/drawing/2010/main" xmlns="" w="9525">
+                  <a14:hiddenLine xmlns="" xmlns:a14="http://schemas.microsoft.com/office/drawing/2010/main" w="9525">
                     <a:solidFill>
                       <a:srgbClr val="000000"/>
                     </a:solidFill>
@@ -14010,7 +14010,7 @@
               </a:ln>
               <a:extLst>
                 <a:ext uri="{91240B29-F687-4f45-9708-019B960494DF}">
-                  <a14:hiddenLine xmlns:a14="http://schemas.microsoft.com/office/drawing/2010/main" xmlns="" w="9525">
+                  <a14:hiddenLine xmlns="" xmlns:a14="http://schemas.microsoft.com/office/drawing/2010/main" w="9525">
                     <a:solidFill>
                       <a:srgbClr val="000000"/>
                     </a:solidFill>
@@ -14075,7 +14075,7 @@
               </a:ln>
               <a:extLst>
                 <a:ext uri="{91240B29-F687-4f45-9708-019B960494DF}">
-                  <a14:hiddenLine xmlns:a14="http://schemas.microsoft.com/office/drawing/2010/main" xmlns="" w="9525">
+                  <a14:hiddenLine xmlns="" xmlns:a14="http://schemas.microsoft.com/office/drawing/2010/main" w="9525">
                     <a:solidFill>
                       <a:srgbClr val="000000"/>
                     </a:solidFill>
@@ -14165,7 +14165,7 @@
               </a:ln>
               <a:extLst>
                 <a:ext uri="{91240B29-F687-4f45-9708-019B960494DF}">
-                  <a14:hiddenLine xmlns:a14="http://schemas.microsoft.com/office/drawing/2010/main" xmlns="" w="9525">
+                  <a14:hiddenLine xmlns="" xmlns:a14="http://schemas.microsoft.com/office/drawing/2010/main" w="9525">
                     <a:solidFill>
                       <a:srgbClr val="000000"/>
                     </a:solidFill>
@@ -14233,7 +14233,7 @@
               </a:ln>
               <a:extLst>
                 <a:ext uri="{91240B29-F687-4f45-9708-019B960494DF}">
-                  <a14:hiddenLine xmlns:a14="http://schemas.microsoft.com/office/drawing/2010/main" xmlns="" w="9525">
+                  <a14:hiddenLine xmlns="" xmlns:a14="http://schemas.microsoft.com/office/drawing/2010/main" w="9525">
                     <a:solidFill>
                       <a:srgbClr val="000000"/>
                     </a:solidFill>
@@ -14323,7 +14323,7 @@
               </a:ln>
               <a:extLst>
                 <a:ext uri="{91240B29-F687-4f45-9708-019B960494DF}">
-                  <a14:hiddenLine xmlns:a14="http://schemas.microsoft.com/office/drawing/2010/main" xmlns="" w="9525">
+                  <a14:hiddenLine xmlns="" xmlns:a14="http://schemas.microsoft.com/office/drawing/2010/main" w="9525">
                     <a:solidFill>
                       <a:srgbClr val="000000"/>
                     </a:solidFill>
@@ -14391,7 +14391,7 @@
               </a:ln>
               <a:extLst>
                 <a:ext uri="{91240B29-F687-4f45-9708-019B960494DF}">
-                  <a14:hiddenLine xmlns:a14="http://schemas.microsoft.com/office/drawing/2010/main" xmlns="" w="9525">
+                  <a14:hiddenLine xmlns="" xmlns:a14="http://schemas.microsoft.com/office/drawing/2010/main" w="9525">
                     <a:solidFill>
                       <a:srgbClr val="000000"/>
                     </a:solidFill>
@@ -14481,7 +14481,7 @@
               </a:ln>
               <a:extLst>
                 <a:ext uri="{91240B29-F687-4f45-9708-019B960494DF}">
-                  <a14:hiddenLine xmlns:a14="http://schemas.microsoft.com/office/drawing/2010/main" xmlns="" w="9525">
+                  <a14:hiddenLine xmlns="" xmlns:a14="http://schemas.microsoft.com/office/drawing/2010/main" w="9525">
                     <a:solidFill>
                       <a:srgbClr val="000000"/>
                     </a:solidFill>
@@ -14515,7 +14515,7 @@
               </a:ln>
               <a:extLst>
                 <a:ext uri="{91240B29-F687-4f45-9708-019B960494DF}">
-                  <a14:hiddenLine xmlns:a14="http://schemas.microsoft.com/office/drawing/2010/main" xmlns="" w="9525">
+                  <a14:hiddenLine xmlns="" xmlns:a14="http://schemas.microsoft.com/office/drawing/2010/main" w="9525">
                     <a:solidFill>
                       <a:srgbClr val="000000"/>
                     </a:solidFill>
@@ -18485,7 +18485,7 @@
 <file path=ppt/theme/theme1.xml><?xml version="1.0" encoding="utf-8"?>
 <a:theme xmlns:a="http://schemas.openxmlformats.org/drawingml/2006/main" name="MUDSS">
   <a:themeElements>
-    <a:clrScheme name="自定义 3">
+    <a:clrScheme name="自定义 4">
       <a:dk1>
         <a:srgbClr val="000000"/>
       </a:dk1>
@@ -18517,7 +18517,7 @@
         <a:srgbClr val="8AC4A7"/>
       </a:accent6>
       <a:hlink>
-        <a:srgbClr val="FAA93A"/>
+        <a:srgbClr val="A400DA"/>
       </a:hlink>
       <a:folHlink>
         <a:srgbClr val="7AF8CC"/>

--- a/Workshop 4: Polynomial Regression/Presentation.pptx
+++ b/Workshop 4: Polynomial Regression/Presentation.pptx
@@ -2801,7 +2801,7 @@
           <a:noFill/>
           <a:extLst>
             <a:ext uri="{909E8E84-426E-40dd-AFC4-6F175D3DCCD1}">
-              <a14:hiddenFill xmlns="" xmlns:a14="http://schemas.microsoft.com/office/drawing/2010/main">
+              <a14:hiddenFill xmlns:a14="http://schemas.microsoft.com/office/drawing/2010/main" xmlns="">
                 <a:solidFill>
                   <a:srgbClr val="FFFFFF"/>
                 </a:solidFill>
@@ -2861,7 +2861,7 @@
             </a:ln>
             <a:extLst>
               <a:ext uri="{91240B29-F687-4f45-9708-019B960494DF}">
-                <a14:hiddenLine xmlns="" xmlns:a14="http://schemas.microsoft.com/office/drawing/2010/main" w="9525">
+                <a14:hiddenLine xmlns:a14="http://schemas.microsoft.com/office/drawing/2010/main" xmlns="" w="9525">
                   <a:solidFill>
                     <a:srgbClr val="000000"/>
                   </a:solidFill>
@@ -2951,7 +2951,7 @@
             </a:ln>
             <a:extLst>
               <a:ext uri="{91240B29-F687-4f45-9708-019B960494DF}">
-                <a14:hiddenLine xmlns="" xmlns:a14="http://schemas.microsoft.com/office/drawing/2010/main" w="9525">
+                <a14:hiddenLine xmlns:a14="http://schemas.microsoft.com/office/drawing/2010/main" xmlns="" w="9525">
                   <a:solidFill>
                     <a:srgbClr val="000000"/>
                   </a:solidFill>
@@ -3041,7 +3041,7 @@
             </a:ln>
             <a:extLst>
               <a:ext uri="{91240B29-F687-4f45-9708-019B960494DF}">
-                <a14:hiddenLine xmlns="" xmlns:a14="http://schemas.microsoft.com/office/drawing/2010/main" w="9525">
+                <a14:hiddenLine xmlns:a14="http://schemas.microsoft.com/office/drawing/2010/main" xmlns="" w="9525">
                   <a:solidFill>
                     <a:srgbClr val="000000"/>
                   </a:solidFill>
@@ -3075,7 +3075,7 @@
             </a:ln>
             <a:extLst>
               <a:ext uri="{91240B29-F687-4f45-9708-019B960494DF}">
-                <a14:hiddenLine xmlns="" xmlns:a14="http://schemas.microsoft.com/office/drawing/2010/main" w="9525">
+                <a14:hiddenLine xmlns:a14="http://schemas.microsoft.com/office/drawing/2010/main" xmlns="" w="9525">
                   <a:solidFill>
                     <a:srgbClr val="000000"/>
                   </a:solidFill>
@@ -3165,7 +3165,7 @@
             </a:ln>
             <a:extLst>
               <a:ext uri="{91240B29-F687-4f45-9708-019B960494DF}">
-                <a14:hiddenLine xmlns="" xmlns:a14="http://schemas.microsoft.com/office/drawing/2010/main" w="9525">
+                <a14:hiddenLine xmlns:a14="http://schemas.microsoft.com/office/drawing/2010/main" xmlns="" w="9525">
                   <a:solidFill>
                     <a:srgbClr val="000000"/>
                   </a:solidFill>
@@ -3227,7 +3227,7 @@
             </a:ln>
             <a:extLst>
               <a:ext uri="{91240B29-F687-4f45-9708-019B960494DF}">
-                <a14:hiddenLine xmlns="" xmlns:a14="http://schemas.microsoft.com/office/drawing/2010/main" w="9525">
+                <a14:hiddenLine xmlns:a14="http://schemas.microsoft.com/office/drawing/2010/main" xmlns="" w="9525">
                   <a:solidFill>
                     <a:srgbClr val="000000"/>
                   </a:solidFill>
@@ -3289,7 +3289,7 @@
             </a:ln>
             <a:extLst>
               <a:ext uri="{91240B29-F687-4f45-9708-019B960494DF}">
-                <a14:hiddenLine xmlns="" xmlns:a14="http://schemas.microsoft.com/office/drawing/2010/main" w="9525">
+                <a14:hiddenLine xmlns:a14="http://schemas.microsoft.com/office/drawing/2010/main" xmlns="" w="9525">
                   <a:solidFill>
                     <a:srgbClr val="000000"/>
                   </a:solidFill>
@@ -3379,7 +3379,7 @@
             </a:ln>
             <a:extLst>
               <a:ext uri="{91240B29-F687-4f45-9708-019B960494DF}">
-                <a14:hiddenLine xmlns="" xmlns:a14="http://schemas.microsoft.com/office/drawing/2010/main" w="9525">
+                <a14:hiddenLine xmlns:a14="http://schemas.microsoft.com/office/drawing/2010/main" xmlns="" w="9525">
                   <a:solidFill>
                     <a:srgbClr val="000000"/>
                   </a:solidFill>
@@ -3441,7 +3441,7 @@
             </a:ln>
             <a:extLst>
               <a:ext uri="{91240B29-F687-4f45-9708-019B960494DF}">
-                <a14:hiddenLine xmlns="" xmlns:a14="http://schemas.microsoft.com/office/drawing/2010/main" w="9525">
+                <a14:hiddenLine xmlns:a14="http://schemas.microsoft.com/office/drawing/2010/main" xmlns="" w="9525">
                   <a:solidFill>
                     <a:srgbClr val="000000"/>
                   </a:solidFill>
@@ -3503,7 +3503,7 @@
             </a:ln>
             <a:extLst>
               <a:ext uri="{91240B29-F687-4f45-9708-019B960494DF}">
-                <a14:hiddenLine xmlns="" xmlns:a14="http://schemas.microsoft.com/office/drawing/2010/main" w="9525">
+                <a14:hiddenLine xmlns:a14="http://schemas.microsoft.com/office/drawing/2010/main" xmlns="" w="9525">
                   <a:solidFill>
                     <a:srgbClr val="000000"/>
                   </a:solidFill>
@@ -3593,7 +3593,7 @@
             </a:ln>
             <a:extLst>
               <a:ext uri="{91240B29-F687-4f45-9708-019B960494DF}">
-                <a14:hiddenLine xmlns="" xmlns:a14="http://schemas.microsoft.com/office/drawing/2010/main" w="9525">
+                <a14:hiddenLine xmlns:a14="http://schemas.microsoft.com/office/drawing/2010/main" xmlns="" w="9525">
                   <a:solidFill>
                     <a:srgbClr val="000000"/>
                   </a:solidFill>
@@ -3683,7 +3683,7 @@
             </a:ln>
             <a:extLst>
               <a:ext uri="{91240B29-F687-4f45-9708-019B960494DF}">
-                <a14:hiddenLine xmlns="" xmlns:a14="http://schemas.microsoft.com/office/drawing/2010/main" w="9525">
+                <a14:hiddenLine xmlns:a14="http://schemas.microsoft.com/office/drawing/2010/main" xmlns="" w="9525">
                   <a:solidFill>
                     <a:srgbClr val="000000"/>
                   </a:solidFill>
@@ -3745,7 +3745,7 @@
             </a:ln>
             <a:extLst>
               <a:ext uri="{91240B29-F687-4f45-9708-019B960494DF}">
-                <a14:hiddenLine xmlns="" xmlns:a14="http://schemas.microsoft.com/office/drawing/2010/main" w="9525">
+                <a14:hiddenLine xmlns:a14="http://schemas.microsoft.com/office/drawing/2010/main" xmlns="" w="9525">
                   <a:solidFill>
                     <a:srgbClr val="000000"/>
                   </a:solidFill>
@@ -3855,7 +3855,7 @@
             </a:ln>
             <a:extLst>
               <a:ext uri="{91240B29-F687-4f45-9708-019B960494DF}">
-                <a14:hiddenLine xmlns="" xmlns:a14="http://schemas.microsoft.com/office/drawing/2010/main" w="9525">
+                <a14:hiddenLine xmlns:a14="http://schemas.microsoft.com/office/drawing/2010/main" xmlns="" w="9525">
                   <a:solidFill>
                     <a:srgbClr val="000000"/>
                   </a:solidFill>
@@ -3917,7 +3917,7 @@
             </a:ln>
             <a:extLst>
               <a:ext uri="{91240B29-F687-4f45-9708-019B960494DF}">
-                <a14:hiddenLine xmlns="" xmlns:a14="http://schemas.microsoft.com/office/drawing/2010/main" w="9525">
+                <a14:hiddenLine xmlns:a14="http://schemas.microsoft.com/office/drawing/2010/main" xmlns="" w="9525">
                   <a:solidFill>
                     <a:srgbClr val="000000"/>
                   </a:solidFill>
@@ -4007,7 +4007,7 @@
             </a:ln>
             <a:extLst>
               <a:ext uri="{91240B29-F687-4f45-9708-019B960494DF}">
-                <a14:hiddenLine xmlns="" xmlns:a14="http://schemas.microsoft.com/office/drawing/2010/main" w="9525">
+                <a14:hiddenLine xmlns:a14="http://schemas.microsoft.com/office/drawing/2010/main" xmlns="" w="9525">
                   <a:solidFill>
                     <a:srgbClr val="000000"/>
                   </a:solidFill>
@@ -4097,7 +4097,7 @@
             </a:ln>
             <a:extLst>
               <a:ext uri="{91240B29-F687-4f45-9708-019B960494DF}">
-                <a14:hiddenLine xmlns="" xmlns:a14="http://schemas.microsoft.com/office/drawing/2010/main" w="9525">
+                <a14:hiddenLine xmlns:a14="http://schemas.microsoft.com/office/drawing/2010/main" xmlns="" w="9525">
                   <a:solidFill>
                     <a:srgbClr val="000000"/>
                   </a:solidFill>
@@ -4159,7 +4159,7 @@
             </a:ln>
             <a:extLst>
               <a:ext uri="{91240B29-F687-4f45-9708-019B960494DF}">
-                <a14:hiddenLine xmlns="" xmlns:a14="http://schemas.microsoft.com/office/drawing/2010/main" w="9525">
+                <a14:hiddenLine xmlns:a14="http://schemas.microsoft.com/office/drawing/2010/main" xmlns="" w="9525">
                   <a:solidFill>
                     <a:srgbClr val="000000"/>
                   </a:solidFill>
@@ -4249,7 +4249,7 @@
             </a:ln>
             <a:extLst>
               <a:ext uri="{91240B29-F687-4f45-9708-019B960494DF}">
-                <a14:hiddenLine xmlns="" xmlns:a14="http://schemas.microsoft.com/office/drawing/2010/main" w="9525">
+                <a14:hiddenLine xmlns:a14="http://schemas.microsoft.com/office/drawing/2010/main" xmlns="" w="9525">
                   <a:solidFill>
                     <a:srgbClr val="000000"/>
                   </a:solidFill>
@@ -4339,7 +4339,7 @@
             </a:ln>
             <a:extLst>
               <a:ext uri="{91240B29-F687-4f45-9708-019B960494DF}">
-                <a14:hiddenLine xmlns="" xmlns:a14="http://schemas.microsoft.com/office/drawing/2010/main" w="9525">
+                <a14:hiddenLine xmlns:a14="http://schemas.microsoft.com/office/drawing/2010/main" xmlns="" w="9525">
                   <a:solidFill>
                     <a:srgbClr val="000000"/>
                   </a:solidFill>
@@ -4395,7 +4395,7 @@
             </a:ln>
             <a:extLst>
               <a:ext uri="{91240B29-F687-4f45-9708-019B960494DF}">
-                <a14:hiddenLine xmlns="" xmlns:a14="http://schemas.microsoft.com/office/drawing/2010/main" w="9525">
+                <a14:hiddenLine xmlns:a14="http://schemas.microsoft.com/office/drawing/2010/main" xmlns="" w="9525">
                   <a:solidFill>
                     <a:srgbClr val="000000"/>
                   </a:solidFill>
@@ -4485,7 +4485,7 @@
             </a:ln>
             <a:extLst>
               <a:ext uri="{91240B29-F687-4f45-9708-019B960494DF}">
-                <a14:hiddenLine xmlns="" xmlns:a14="http://schemas.microsoft.com/office/drawing/2010/main" w="9525">
+                <a14:hiddenLine xmlns:a14="http://schemas.microsoft.com/office/drawing/2010/main" xmlns="" w="9525">
                   <a:solidFill>
                     <a:srgbClr val="000000"/>
                   </a:solidFill>
@@ -4541,7 +4541,7 @@
             </a:ln>
             <a:extLst>
               <a:ext uri="{91240B29-F687-4f45-9708-019B960494DF}">
-                <a14:hiddenLine xmlns="" xmlns:a14="http://schemas.microsoft.com/office/drawing/2010/main" w="9525">
+                <a14:hiddenLine xmlns:a14="http://schemas.microsoft.com/office/drawing/2010/main" xmlns="" w="9525">
                   <a:solidFill>
                     <a:srgbClr val="000000"/>
                   </a:solidFill>
@@ -4631,7 +4631,7 @@
             </a:ln>
             <a:extLst>
               <a:ext uri="{91240B29-F687-4f45-9708-019B960494DF}">
-                <a14:hiddenLine xmlns="" xmlns:a14="http://schemas.microsoft.com/office/drawing/2010/main" w="9525">
+                <a14:hiddenLine xmlns:a14="http://schemas.microsoft.com/office/drawing/2010/main" xmlns="" w="9525">
                   <a:solidFill>
                     <a:srgbClr val="000000"/>
                   </a:solidFill>
@@ -4699,7 +4699,7 @@
             </a:ln>
             <a:extLst>
               <a:ext uri="{91240B29-F687-4f45-9708-019B960494DF}">
-                <a14:hiddenLine xmlns="" xmlns:a14="http://schemas.microsoft.com/office/drawing/2010/main" w="9525">
+                <a14:hiddenLine xmlns:a14="http://schemas.microsoft.com/office/drawing/2010/main" xmlns="" w="9525">
                   <a:solidFill>
                     <a:srgbClr val="000000"/>
                   </a:solidFill>
@@ -4789,7 +4789,7 @@
             </a:ln>
             <a:extLst>
               <a:ext uri="{91240B29-F687-4f45-9708-019B960494DF}">
-                <a14:hiddenLine xmlns="" xmlns:a14="http://schemas.microsoft.com/office/drawing/2010/main" w="9525">
+                <a14:hiddenLine xmlns:a14="http://schemas.microsoft.com/office/drawing/2010/main" xmlns="" w="9525">
                   <a:solidFill>
                     <a:srgbClr val="000000"/>
                   </a:solidFill>
@@ -4857,7 +4857,7 @@
             </a:ln>
             <a:extLst>
               <a:ext uri="{91240B29-F687-4f45-9708-019B960494DF}">
-                <a14:hiddenLine xmlns="" xmlns:a14="http://schemas.microsoft.com/office/drawing/2010/main" w="9525">
+                <a14:hiddenLine xmlns:a14="http://schemas.microsoft.com/office/drawing/2010/main" xmlns="" w="9525">
                   <a:solidFill>
                     <a:srgbClr val="000000"/>
                   </a:solidFill>
@@ -4947,7 +4947,7 @@
             </a:ln>
             <a:extLst>
               <a:ext uri="{91240B29-F687-4f45-9708-019B960494DF}">
-                <a14:hiddenLine xmlns="" xmlns:a14="http://schemas.microsoft.com/office/drawing/2010/main" w="9525">
+                <a14:hiddenLine xmlns:a14="http://schemas.microsoft.com/office/drawing/2010/main" xmlns="" w="9525">
                   <a:solidFill>
                     <a:srgbClr val="000000"/>
                   </a:solidFill>
@@ -4981,7 +4981,7 @@
             </a:ln>
             <a:extLst>
               <a:ext uri="{91240B29-F687-4f45-9708-019B960494DF}">
-                <a14:hiddenLine xmlns="" xmlns:a14="http://schemas.microsoft.com/office/drawing/2010/main" w="9525">
+                <a14:hiddenLine xmlns:a14="http://schemas.microsoft.com/office/drawing/2010/main" xmlns="" w="9525">
                   <a:solidFill>
                     <a:srgbClr val="000000"/>
                   </a:solidFill>
@@ -5071,7 +5071,7 @@
             </a:ln>
             <a:extLst>
               <a:ext uri="{91240B29-F687-4f45-9708-019B960494DF}">
-                <a14:hiddenLine xmlns="" xmlns:a14="http://schemas.microsoft.com/office/drawing/2010/main" w="9525">
+                <a14:hiddenLine xmlns:a14="http://schemas.microsoft.com/office/drawing/2010/main" xmlns="" w="9525">
                   <a:solidFill>
                     <a:srgbClr val="000000"/>
                   </a:solidFill>
@@ -5133,7 +5133,7 @@
             </a:ln>
             <a:extLst>
               <a:ext uri="{91240B29-F687-4f45-9708-019B960494DF}">
-                <a14:hiddenLine xmlns="" xmlns:a14="http://schemas.microsoft.com/office/drawing/2010/main" w="9525">
+                <a14:hiddenLine xmlns:a14="http://schemas.microsoft.com/office/drawing/2010/main" xmlns="" w="9525">
                   <a:solidFill>
                     <a:srgbClr val="000000"/>
                   </a:solidFill>
@@ -5195,7 +5195,7 @@
             </a:ln>
             <a:extLst>
               <a:ext uri="{91240B29-F687-4f45-9708-019B960494DF}">
-                <a14:hiddenLine xmlns="" xmlns:a14="http://schemas.microsoft.com/office/drawing/2010/main" w="9525">
+                <a14:hiddenLine xmlns:a14="http://schemas.microsoft.com/office/drawing/2010/main" xmlns="" w="9525">
                   <a:solidFill>
                     <a:srgbClr val="000000"/>
                   </a:solidFill>
@@ -5285,7 +5285,7 @@
             </a:ln>
             <a:extLst>
               <a:ext uri="{91240B29-F687-4f45-9708-019B960494DF}">
-                <a14:hiddenLine xmlns="" xmlns:a14="http://schemas.microsoft.com/office/drawing/2010/main" w="9525">
+                <a14:hiddenLine xmlns:a14="http://schemas.microsoft.com/office/drawing/2010/main" xmlns="" w="9525">
                   <a:solidFill>
                     <a:srgbClr val="000000"/>
                   </a:solidFill>
@@ -5353,7 +5353,7 @@
             </a:ln>
             <a:extLst>
               <a:ext uri="{91240B29-F687-4f45-9708-019B960494DF}">
-                <a14:hiddenLine xmlns="" xmlns:a14="http://schemas.microsoft.com/office/drawing/2010/main" w="9525">
+                <a14:hiddenLine xmlns:a14="http://schemas.microsoft.com/office/drawing/2010/main" xmlns="" w="9525">
                   <a:solidFill>
                     <a:srgbClr val="000000"/>
                   </a:solidFill>
@@ -5415,7 +5415,7 @@
             </a:ln>
             <a:extLst>
               <a:ext uri="{91240B29-F687-4f45-9708-019B960494DF}">
-                <a14:hiddenLine xmlns="" xmlns:a14="http://schemas.microsoft.com/office/drawing/2010/main" w="9525">
+                <a14:hiddenLine xmlns:a14="http://schemas.microsoft.com/office/drawing/2010/main" xmlns="" w="9525">
                   <a:solidFill>
                     <a:srgbClr val="000000"/>
                   </a:solidFill>
@@ -5505,7 +5505,7 @@
             </a:ln>
             <a:extLst>
               <a:ext uri="{91240B29-F687-4f45-9708-019B960494DF}">
-                <a14:hiddenLine xmlns="" xmlns:a14="http://schemas.microsoft.com/office/drawing/2010/main" w="9525">
+                <a14:hiddenLine xmlns:a14="http://schemas.microsoft.com/office/drawing/2010/main" xmlns="" w="9525">
                   <a:solidFill>
                     <a:srgbClr val="000000"/>
                   </a:solidFill>
@@ -5567,7 +5567,7 @@
             </a:ln>
             <a:extLst>
               <a:ext uri="{91240B29-F687-4f45-9708-019B960494DF}">
-                <a14:hiddenLine xmlns="" xmlns:a14="http://schemas.microsoft.com/office/drawing/2010/main" w="9525">
+                <a14:hiddenLine xmlns:a14="http://schemas.microsoft.com/office/drawing/2010/main" xmlns="" w="9525">
                   <a:solidFill>
                     <a:srgbClr val="000000"/>
                   </a:solidFill>
@@ -5657,7 +5657,7 @@
             </a:ln>
             <a:extLst>
               <a:ext uri="{91240B29-F687-4f45-9708-019B960494DF}">
-                <a14:hiddenLine xmlns="" xmlns:a14="http://schemas.microsoft.com/office/drawing/2010/main" w="9525">
+                <a14:hiddenLine xmlns:a14="http://schemas.microsoft.com/office/drawing/2010/main" xmlns="" w="9525">
                   <a:solidFill>
                     <a:srgbClr val="000000"/>
                   </a:solidFill>
@@ -5719,7 +5719,7 @@
             </a:ln>
             <a:extLst>
               <a:ext uri="{91240B29-F687-4f45-9708-019B960494DF}">
-                <a14:hiddenLine xmlns="" xmlns:a14="http://schemas.microsoft.com/office/drawing/2010/main" w="9525">
+                <a14:hiddenLine xmlns:a14="http://schemas.microsoft.com/office/drawing/2010/main" xmlns="" w="9525">
                   <a:solidFill>
                     <a:srgbClr val="000000"/>
                   </a:solidFill>
@@ -5809,7 +5809,7 @@
             </a:ln>
             <a:extLst>
               <a:ext uri="{91240B29-F687-4f45-9708-019B960494DF}">
-                <a14:hiddenLine xmlns="" xmlns:a14="http://schemas.microsoft.com/office/drawing/2010/main" w="9525">
+                <a14:hiddenLine xmlns:a14="http://schemas.microsoft.com/office/drawing/2010/main" xmlns="" w="9525">
                   <a:solidFill>
                     <a:srgbClr val="000000"/>
                   </a:solidFill>
@@ -5843,7 +5843,7 @@
             </a:ln>
             <a:extLst>
               <a:ext uri="{91240B29-F687-4f45-9708-019B960494DF}">
-                <a14:hiddenLine xmlns="" xmlns:a14="http://schemas.microsoft.com/office/drawing/2010/main" w="9525">
+                <a14:hiddenLine xmlns:a14="http://schemas.microsoft.com/office/drawing/2010/main" xmlns="" w="9525">
                   <a:solidFill>
                     <a:srgbClr val="000000"/>
                   </a:solidFill>
@@ -5908,7 +5908,7 @@
             </a:ln>
             <a:extLst>
               <a:ext uri="{91240B29-F687-4f45-9708-019B960494DF}">
-                <a14:hiddenLine xmlns="" xmlns:a14="http://schemas.microsoft.com/office/drawing/2010/main" w="9525">
+                <a14:hiddenLine xmlns:a14="http://schemas.microsoft.com/office/drawing/2010/main" xmlns="" w="9525">
                   <a:solidFill>
                     <a:srgbClr val="000000"/>
                   </a:solidFill>
@@ -5998,7 +5998,7 @@
             </a:ln>
             <a:extLst>
               <a:ext uri="{91240B29-F687-4f45-9708-019B960494DF}">
-                <a14:hiddenLine xmlns="" xmlns:a14="http://schemas.microsoft.com/office/drawing/2010/main" w="9525">
+                <a14:hiddenLine xmlns:a14="http://schemas.microsoft.com/office/drawing/2010/main" xmlns="" w="9525">
                   <a:solidFill>
                     <a:srgbClr val="000000"/>
                   </a:solidFill>
@@ -6060,7 +6060,7 @@
             </a:ln>
             <a:extLst>
               <a:ext uri="{91240B29-F687-4f45-9708-019B960494DF}">
-                <a14:hiddenLine xmlns="" xmlns:a14="http://schemas.microsoft.com/office/drawing/2010/main" w="9525">
+                <a14:hiddenLine xmlns:a14="http://schemas.microsoft.com/office/drawing/2010/main" xmlns="" w="9525">
                   <a:solidFill>
                     <a:srgbClr val="000000"/>
                   </a:solidFill>
@@ -6150,7 +6150,7 @@
             </a:ln>
             <a:extLst>
               <a:ext uri="{91240B29-F687-4f45-9708-019B960494DF}">
-                <a14:hiddenLine xmlns="" xmlns:a14="http://schemas.microsoft.com/office/drawing/2010/main" w="9525">
+                <a14:hiddenLine xmlns:a14="http://schemas.microsoft.com/office/drawing/2010/main" xmlns="" w="9525">
                   <a:solidFill>
                     <a:srgbClr val="000000"/>
                   </a:solidFill>
@@ -6240,7 +6240,7 @@
             </a:ln>
             <a:extLst>
               <a:ext uri="{91240B29-F687-4f45-9708-019B960494DF}">
-                <a14:hiddenLine xmlns="" xmlns:a14="http://schemas.microsoft.com/office/drawing/2010/main" w="9525">
+                <a14:hiddenLine xmlns:a14="http://schemas.microsoft.com/office/drawing/2010/main" xmlns="" w="9525">
                   <a:solidFill>
                     <a:srgbClr val="000000"/>
                   </a:solidFill>
@@ -6305,7 +6305,7 @@
             </a:ln>
             <a:extLst>
               <a:ext uri="{91240B29-F687-4f45-9708-019B960494DF}">
-                <a14:hiddenLine xmlns="" xmlns:a14="http://schemas.microsoft.com/office/drawing/2010/main" w="9525">
+                <a14:hiddenLine xmlns:a14="http://schemas.microsoft.com/office/drawing/2010/main" xmlns="" w="9525">
                   <a:solidFill>
                     <a:srgbClr val="000000"/>
                   </a:solidFill>
@@ -6367,7 +6367,7 @@
             </a:ln>
             <a:extLst>
               <a:ext uri="{91240B29-F687-4f45-9708-019B960494DF}">
-                <a14:hiddenLine xmlns="" xmlns:a14="http://schemas.microsoft.com/office/drawing/2010/main" w="9525">
+                <a14:hiddenLine xmlns:a14="http://schemas.microsoft.com/office/drawing/2010/main" xmlns="" w="9525">
                   <a:solidFill>
                     <a:srgbClr val="000000"/>
                   </a:solidFill>
@@ -6457,7 +6457,7 @@
             </a:ln>
             <a:extLst>
               <a:ext uri="{91240B29-F687-4f45-9708-019B960494DF}">
-                <a14:hiddenLine xmlns="" xmlns:a14="http://schemas.microsoft.com/office/drawing/2010/main" w="9525">
+                <a14:hiddenLine xmlns:a14="http://schemas.microsoft.com/office/drawing/2010/main" xmlns="" w="9525">
                   <a:solidFill>
                     <a:srgbClr val="000000"/>
                   </a:solidFill>
@@ -6547,7 +6547,7 @@
             </a:ln>
             <a:extLst>
               <a:ext uri="{91240B29-F687-4f45-9708-019B960494DF}">
-                <a14:hiddenLine xmlns="" xmlns:a14="http://schemas.microsoft.com/office/drawing/2010/main" w="9525">
+                <a14:hiddenLine xmlns:a14="http://schemas.microsoft.com/office/drawing/2010/main" xmlns="" w="9525">
                   <a:solidFill>
                     <a:srgbClr val="000000"/>
                   </a:solidFill>
@@ -6609,7 +6609,7 @@
             </a:ln>
             <a:extLst>
               <a:ext uri="{91240B29-F687-4f45-9708-019B960494DF}">
-                <a14:hiddenLine xmlns="" xmlns:a14="http://schemas.microsoft.com/office/drawing/2010/main" w="9525">
+                <a14:hiddenLine xmlns:a14="http://schemas.microsoft.com/office/drawing/2010/main" xmlns="" w="9525">
                   <a:solidFill>
                     <a:srgbClr val="000000"/>
                   </a:solidFill>
@@ -6729,7 +6729,7 @@
             </a:ln>
             <a:extLst>
               <a:ext uri="{91240B29-F687-4f45-9708-019B960494DF}">
-                <a14:hiddenLine xmlns="" xmlns:a14="http://schemas.microsoft.com/office/drawing/2010/main" w="9525">
+                <a14:hiddenLine xmlns:a14="http://schemas.microsoft.com/office/drawing/2010/main" xmlns="" w="9525">
                   <a:solidFill>
                     <a:srgbClr val="000000"/>
                   </a:solidFill>
@@ -6797,7 +6797,7 @@
             </a:ln>
             <a:extLst>
               <a:ext uri="{91240B29-F687-4f45-9708-019B960494DF}">
-                <a14:hiddenLine xmlns="" xmlns:a14="http://schemas.microsoft.com/office/drawing/2010/main" w="9525">
+                <a14:hiddenLine xmlns:a14="http://schemas.microsoft.com/office/drawing/2010/main" xmlns="" w="9525">
                   <a:solidFill>
                     <a:srgbClr val="000000"/>
                   </a:solidFill>
@@ -6887,7 +6887,7 @@
             </a:ln>
             <a:extLst>
               <a:ext uri="{91240B29-F687-4f45-9708-019B960494DF}">
-                <a14:hiddenLine xmlns="" xmlns:a14="http://schemas.microsoft.com/office/drawing/2010/main" w="9525">
+                <a14:hiddenLine xmlns:a14="http://schemas.microsoft.com/office/drawing/2010/main" xmlns="" w="9525">
                   <a:solidFill>
                     <a:srgbClr val="000000"/>
                   </a:solidFill>
@@ -7027,7 +7027,7 @@
           <a:p>
             <a:fld id="{D53C38B0-4F3C-49B8-8CAC-02B41E069EF2}" type="datetimeFigureOut">
               <a:rPr lang="es-ES" smtClean="0"/>
-              <a:t>22/09/2021</a:t>
+              <a:t>14/10/2021</a:t>
             </a:fld>
             <a:endParaRPr lang="es-ES"/>
           </a:p>
@@ -7294,7 +7294,7 @@
           <a:p>
             <a:fld id="{D53C38B0-4F3C-49B8-8CAC-02B41E069EF2}" type="datetimeFigureOut">
               <a:rPr lang="es-ES" smtClean="0"/>
-              <a:t>22/09/2021</a:t>
+              <a:t>14/10/2021</a:t>
             </a:fld>
             <a:endParaRPr lang="es-ES"/>
           </a:p>
@@ -7490,7 +7490,7 @@
           <a:p>
             <a:fld id="{D53C38B0-4F3C-49B8-8CAC-02B41E069EF2}" type="datetimeFigureOut">
               <a:rPr lang="es-ES" smtClean="0"/>
-              <a:t>22/09/2021</a:t>
+              <a:t>14/10/2021</a:t>
             </a:fld>
             <a:endParaRPr lang="es-ES"/>
           </a:p>
@@ -7753,7 +7753,7 @@
           <a:p>
             <a:fld id="{D53C38B0-4F3C-49B8-8CAC-02B41E069EF2}" type="datetimeFigureOut">
               <a:rPr lang="es-ES" smtClean="0"/>
-              <a:t>22/09/2021</a:t>
+              <a:t>14/10/2021</a:t>
             </a:fld>
             <a:endParaRPr lang="es-ES"/>
           </a:p>
@@ -8187,7 +8187,7 @@
           <a:p>
             <a:fld id="{D53C38B0-4F3C-49B8-8CAC-02B41E069EF2}" type="datetimeFigureOut">
               <a:rPr lang="es-ES" smtClean="0"/>
-              <a:t>22/09/2021</a:t>
+              <a:t>14/10/2021</a:t>
             </a:fld>
             <a:endParaRPr lang="es-ES"/>
           </a:p>
@@ -8733,7 +8733,7 @@
           <a:p>
             <a:fld id="{D53C38B0-4F3C-49B8-8CAC-02B41E069EF2}" type="datetimeFigureOut">
               <a:rPr lang="es-ES" smtClean="0"/>
-              <a:t>22/09/2021</a:t>
+              <a:t>14/10/2021</a:t>
             </a:fld>
             <a:endParaRPr lang="es-ES"/>
           </a:p>
@@ -9453,7 +9453,7 @@
           <a:p>
             <a:fld id="{D53C38B0-4F3C-49B8-8CAC-02B41E069EF2}" type="datetimeFigureOut">
               <a:rPr lang="es-ES" smtClean="0"/>
-              <a:t>22/09/2021</a:t>
+              <a:t>14/10/2021</a:t>
             </a:fld>
             <a:endParaRPr lang="es-ES"/>
           </a:p>
@@ -9623,7 +9623,7 @@
           <a:p>
             <a:fld id="{D53C38B0-4F3C-49B8-8CAC-02B41E069EF2}" type="datetimeFigureOut">
               <a:rPr lang="es-ES" smtClean="0"/>
-              <a:t>22/09/2021</a:t>
+              <a:t>14/10/2021</a:t>
             </a:fld>
             <a:endParaRPr lang="es-ES"/>
           </a:p>
@@ -9803,7 +9803,7 @@
           <a:p>
             <a:fld id="{D53C38B0-4F3C-49B8-8CAC-02B41E069EF2}" type="datetimeFigureOut">
               <a:rPr lang="es-ES" smtClean="0"/>
-              <a:t>22/09/2021</a:t>
+              <a:t>14/10/2021</a:t>
             </a:fld>
             <a:endParaRPr lang="es-ES"/>
           </a:p>
@@ -9973,7 +9973,7 @@
           <a:p>
             <a:fld id="{D53C38B0-4F3C-49B8-8CAC-02B41E069EF2}" type="datetimeFigureOut">
               <a:rPr lang="es-ES" smtClean="0"/>
-              <a:t>22/09/2021</a:t>
+              <a:t>14/10/2021</a:t>
             </a:fld>
             <a:endParaRPr lang="es-ES"/>
           </a:p>
@@ -10223,7 +10223,7 @@
           <a:p>
             <a:fld id="{D53C38B0-4F3C-49B8-8CAC-02B41E069EF2}" type="datetimeFigureOut">
               <a:rPr lang="es-ES" smtClean="0"/>
-              <a:t>22/09/2021</a:t>
+              <a:t>14/10/2021</a:t>
             </a:fld>
             <a:endParaRPr lang="es-ES"/>
           </a:p>
@@ -10455,7 +10455,7 @@
           <a:p>
             <a:fld id="{D53C38B0-4F3C-49B8-8CAC-02B41E069EF2}" type="datetimeFigureOut">
               <a:rPr lang="es-ES" smtClean="0"/>
-              <a:t>22/09/2021</a:t>
+              <a:t>14/10/2021</a:t>
             </a:fld>
             <a:endParaRPr lang="es-ES"/>
           </a:p>
@@ -10836,7 +10836,7 @@
           <a:p>
             <a:fld id="{D53C38B0-4F3C-49B8-8CAC-02B41E069EF2}" type="datetimeFigureOut">
               <a:rPr lang="es-ES" smtClean="0"/>
-              <a:t>22/09/2021</a:t>
+              <a:t>14/10/2021</a:t>
             </a:fld>
             <a:endParaRPr lang="es-ES"/>
           </a:p>
@@ -10954,7 +10954,7 @@
           <a:p>
             <a:fld id="{D53C38B0-4F3C-49B8-8CAC-02B41E069EF2}" type="datetimeFigureOut">
               <a:rPr lang="es-ES" smtClean="0"/>
-              <a:t>22/09/2021</a:t>
+              <a:t>14/10/2021</a:t>
             </a:fld>
             <a:endParaRPr lang="es-ES"/>
           </a:p>
@@ -11049,7 +11049,7 @@
           <a:p>
             <a:fld id="{D53C38B0-4F3C-49B8-8CAC-02B41E069EF2}" type="datetimeFigureOut">
               <a:rPr lang="es-ES" smtClean="0"/>
-              <a:t>22/09/2021</a:t>
+              <a:t>14/10/2021</a:t>
             </a:fld>
             <a:endParaRPr lang="es-ES"/>
           </a:p>
@@ -11298,7 +11298,7 @@
           <a:p>
             <a:fld id="{D53C38B0-4F3C-49B8-8CAC-02B41E069EF2}" type="datetimeFigureOut">
               <a:rPr lang="es-ES" smtClean="0"/>
-              <a:t>22/09/2021</a:t>
+              <a:t>14/10/2021</a:t>
             </a:fld>
             <a:endParaRPr lang="es-ES"/>
           </a:p>
@@ -11578,7 +11578,7 @@
           <a:p>
             <a:fld id="{D53C38B0-4F3C-49B8-8CAC-02B41E069EF2}" type="datetimeFigureOut">
               <a:rPr lang="es-ES" smtClean="0"/>
-              <a:t>22/09/2021</a:t>
+              <a:t>14/10/2021</a:t>
             </a:fld>
             <a:endParaRPr lang="es-ES"/>
           </a:p>
@@ -11694,7 +11694,7 @@
           <a:noFill/>
           <a:extLst>
             <a:ext uri="{909E8E84-426E-40dd-AFC4-6F175D3DCCD1}">
-              <a14:hiddenFill xmlns="" xmlns:a14="http://schemas.microsoft.com/office/drawing/2010/main">
+              <a14:hiddenFill xmlns:a14="http://schemas.microsoft.com/office/drawing/2010/main" xmlns="">
                 <a:solidFill>
                   <a:srgbClr val="FFFFFF"/>
                 </a:solidFill>
@@ -11768,7 +11768,7 @@
               </a:ln>
               <a:extLst>
                 <a:ext uri="{91240B29-F687-4f45-9708-019B960494DF}">
-                  <a14:hiddenLine xmlns="" xmlns:a14="http://schemas.microsoft.com/office/drawing/2010/main" w="9525">
+                  <a14:hiddenLine xmlns:a14="http://schemas.microsoft.com/office/drawing/2010/main" xmlns="" w="9525">
                     <a:solidFill>
                       <a:srgbClr val="000000"/>
                     </a:solidFill>
@@ -11858,7 +11858,7 @@
               </a:ln>
               <a:extLst>
                 <a:ext uri="{91240B29-F687-4f45-9708-019B960494DF}">
-                  <a14:hiddenLine xmlns="" xmlns:a14="http://schemas.microsoft.com/office/drawing/2010/main" w="9525">
+                  <a14:hiddenLine xmlns:a14="http://schemas.microsoft.com/office/drawing/2010/main" xmlns="" w="9525">
                     <a:solidFill>
                       <a:srgbClr val="000000"/>
                     </a:solidFill>
@@ -11948,7 +11948,7 @@
               </a:ln>
               <a:extLst>
                 <a:ext uri="{91240B29-F687-4f45-9708-019B960494DF}">
-                  <a14:hiddenLine xmlns="" xmlns:a14="http://schemas.microsoft.com/office/drawing/2010/main" w="9525">
+                  <a14:hiddenLine xmlns:a14="http://schemas.microsoft.com/office/drawing/2010/main" xmlns="" w="9525">
                     <a:solidFill>
                       <a:srgbClr val="000000"/>
                     </a:solidFill>
@@ -12010,7 +12010,7 @@
               </a:ln>
               <a:extLst>
                 <a:ext uri="{91240B29-F687-4f45-9708-019B960494DF}">
-                  <a14:hiddenLine xmlns="" xmlns:a14="http://schemas.microsoft.com/office/drawing/2010/main" w="9525">
+                  <a14:hiddenLine xmlns:a14="http://schemas.microsoft.com/office/drawing/2010/main" xmlns="" w="9525">
                     <a:solidFill>
                       <a:srgbClr val="000000"/>
                     </a:solidFill>
@@ -12100,7 +12100,7 @@
               </a:ln>
               <a:extLst>
                 <a:ext uri="{91240B29-F687-4f45-9708-019B960494DF}">
-                  <a14:hiddenLine xmlns="" xmlns:a14="http://schemas.microsoft.com/office/drawing/2010/main" w="9525">
+                  <a14:hiddenLine xmlns:a14="http://schemas.microsoft.com/office/drawing/2010/main" xmlns="" w="9525">
                     <a:solidFill>
                       <a:srgbClr val="000000"/>
                     </a:solidFill>
@@ -12162,7 +12162,7 @@
               </a:ln>
               <a:extLst>
                 <a:ext uri="{91240B29-F687-4f45-9708-019B960494DF}">
-                  <a14:hiddenLine xmlns="" xmlns:a14="http://schemas.microsoft.com/office/drawing/2010/main" w="9525">
+                  <a14:hiddenLine xmlns:a14="http://schemas.microsoft.com/office/drawing/2010/main" xmlns="" w="9525">
                     <a:solidFill>
                       <a:srgbClr val="000000"/>
                     </a:solidFill>
@@ -12224,7 +12224,7 @@
               </a:ln>
               <a:extLst>
                 <a:ext uri="{91240B29-F687-4f45-9708-019B960494DF}">
-                  <a14:hiddenLine xmlns="" xmlns:a14="http://schemas.microsoft.com/office/drawing/2010/main" w="9525">
+                  <a14:hiddenLine xmlns:a14="http://schemas.microsoft.com/office/drawing/2010/main" xmlns="" w="9525">
                     <a:solidFill>
                       <a:srgbClr val="000000"/>
                     </a:solidFill>
@@ -12314,7 +12314,7 @@
               </a:ln>
               <a:extLst>
                 <a:ext uri="{91240B29-F687-4f45-9708-019B960494DF}">
-                  <a14:hiddenLine xmlns="" xmlns:a14="http://schemas.microsoft.com/office/drawing/2010/main" w="9525">
+                  <a14:hiddenLine xmlns:a14="http://schemas.microsoft.com/office/drawing/2010/main" xmlns="" w="9525">
                     <a:solidFill>
                       <a:srgbClr val="000000"/>
                     </a:solidFill>
@@ -12404,7 +12404,7 @@
               </a:ln>
               <a:extLst>
                 <a:ext uri="{91240B29-F687-4f45-9708-019B960494DF}">
-                  <a14:hiddenLine xmlns="" xmlns:a14="http://schemas.microsoft.com/office/drawing/2010/main" w="9525">
+                  <a14:hiddenLine xmlns:a14="http://schemas.microsoft.com/office/drawing/2010/main" xmlns="" w="9525">
                     <a:solidFill>
                       <a:srgbClr val="000000"/>
                     </a:solidFill>
@@ -12466,7 +12466,7 @@
               </a:ln>
               <a:extLst>
                 <a:ext uri="{91240B29-F687-4f45-9708-019B960494DF}">
-                  <a14:hiddenLine xmlns="" xmlns:a14="http://schemas.microsoft.com/office/drawing/2010/main" w="9525">
+                  <a14:hiddenLine xmlns:a14="http://schemas.microsoft.com/office/drawing/2010/main" xmlns="" w="9525">
                     <a:solidFill>
                       <a:srgbClr val="000000"/>
                     </a:solidFill>
@@ -12576,7 +12576,7 @@
               </a:ln>
               <a:extLst>
                 <a:ext uri="{91240B29-F687-4f45-9708-019B960494DF}">
-                  <a14:hiddenLine xmlns="" xmlns:a14="http://schemas.microsoft.com/office/drawing/2010/main" w="9525">
+                  <a14:hiddenLine xmlns:a14="http://schemas.microsoft.com/office/drawing/2010/main" xmlns="" w="9525">
                     <a:solidFill>
                       <a:srgbClr val="000000"/>
                     </a:solidFill>
@@ -12660,7 +12660,7 @@
               </a:ln>
               <a:extLst>
                 <a:ext uri="{91240B29-F687-4f45-9708-019B960494DF}">
-                  <a14:hiddenLine xmlns="" xmlns:a14="http://schemas.microsoft.com/office/drawing/2010/main" w="9525">
+                  <a14:hiddenLine xmlns:a14="http://schemas.microsoft.com/office/drawing/2010/main" xmlns="" w="9525">
                     <a:solidFill>
                       <a:srgbClr val="000000"/>
                     </a:solidFill>
@@ -12722,7 +12722,7 @@
               </a:ln>
               <a:extLst>
                 <a:ext uri="{91240B29-F687-4f45-9708-019B960494DF}">
-                  <a14:hiddenLine xmlns="" xmlns:a14="http://schemas.microsoft.com/office/drawing/2010/main" w="9525">
+                  <a14:hiddenLine xmlns:a14="http://schemas.microsoft.com/office/drawing/2010/main" xmlns="" w="9525">
                     <a:solidFill>
                       <a:srgbClr val="000000"/>
                     </a:solidFill>
@@ -12784,7 +12784,7 @@
               </a:ln>
               <a:extLst>
                 <a:ext uri="{91240B29-F687-4f45-9708-019B960494DF}">
-                  <a14:hiddenLine xmlns="" xmlns:a14="http://schemas.microsoft.com/office/drawing/2010/main" w="9525">
+                  <a14:hiddenLine xmlns:a14="http://schemas.microsoft.com/office/drawing/2010/main" xmlns="" w="9525">
                     <a:solidFill>
                       <a:srgbClr val="000000"/>
                     </a:solidFill>
@@ -12874,7 +12874,7 @@
               </a:ln>
               <a:extLst>
                 <a:ext uri="{91240B29-F687-4f45-9708-019B960494DF}">
-                  <a14:hiddenLine xmlns="" xmlns:a14="http://schemas.microsoft.com/office/drawing/2010/main" w="9525">
+                  <a14:hiddenLine xmlns:a14="http://schemas.microsoft.com/office/drawing/2010/main" xmlns="" w="9525">
                     <a:solidFill>
                       <a:srgbClr val="000000"/>
                     </a:solidFill>
@@ -12908,7 +12908,7 @@
               </a:ln>
               <a:extLst>
                 <a:ext uri="{91240B29-F687-4f45-9708-019B960494DF}">
-                  <a14:hiddenLine xmlns="" xmlns:a14="http://schemas.microsoft.com/office/drawing/2010/main" w="9525">
+                  <a14:hiddenLine xmlns:a14="http://schemas.microsoft.com/office/drawing/2010/main" xmlns="" w="9525">
                     <a:solidFill>
                       <a:srgbClr val="000000"/>
                     </a:solidFill>
@@ -12973,7 +12973,7 @@
               </a:ln>
               <a:extLst>
                 <a:ext uri="{91240B29-F687-4f45-9708-019B960494DF}">
-                  <a14:hiddenLine xmlns="" xmlns:a14="http://schemas.microsoft.com/office/drawing/2010/main" w="9525">
+                  <a14:hiddenLine xmlns:a14="http://schemas.microsoft.com/office/drawing/2010/main" xmlns="" w="9525">
                     <a:solidFill>
                       <a:srgbClr val="000000"/>
                     </a:solidFill>
@@ -13063,7 +13063,7 @@
               </a:ln>
               <a:extLst>
                 <a:ext uri="{91240B29-F687-4f45-9708-019B960494DF}">
-                  <a14:hiddenLine xmlns="" xmlns:a14="http://schemas.microsoft.com/office/drawing/2010/main" w="9525">
+                  <a14:hiddenLine xmlns:a14="http://schemas.microsoft.com/office/drawing/2010/main" xmlns="" w="9525">
                     <a:solidFill>
                       <a:srgbClr val="000000"/>
                     </a:solidFill>
@@ -13125,7 +13125,7 @@
               </a:ln>
               <a:extLst>
                 <a:ext uri="{91240B29-F687-4f45-9708-019B960494DF}">
-                  <a14:hiddenLine xmlns="" xmlns:a14="http://schemas.microsoft.com/office/drawing/2010/main" w="9525">
+                  <a14:hiddenLine xmlns:a14="http://schemas.microsoft.com/office/drawing/2010/main" xmlns="" w="9525">
                     <a:solidFill>
                       <a:srgbClr val="000000"/>
                     </a:solidFill>
@@ -13215,7 +13215,7 @@
               </a:ln>
               <a:extLst>
                 <a:ext uri="{91240B29-F687-4f45-9708-019B960494DF}">
-                  <a14:hiddenLine xmlns="" xmlns:a14="http://schemas.microsoft.com/office/drawing/2010/main" w="9525">
+                  <a14:hiddenLine xmlns:a14="http://schemas.microsoft.com/office/drawing/2010/main" xmlns="" w="9525">
                     <a:solidFill>
                       <a:srgbClr val="000000"/>
                     </a:solidFill>
@@ -13280,7 +13280,7 @@
               </a:ln>
               <a:extLst>
                 <a:ext uri="{91240B29-F687-4f45-9708-019B960494DF}">
-                  <a14:hiddenLine xmlns="" xmlns:a14="http://schemas.microsoft.com/office/drawing/2010/main" w="9525">
+                  <a14:hiddenLine xmlns:a14="http://schemas.microsoft.com/office/drawing/2010/main" xmlns="" w="9525">
                     <a:solidFill>
                       <a:srgbClr val="000000"/>
                     </a:solidFill>
@@ -13342,7 +13342,7 @@
               </a:ln>
               <a:extLst>
                 <a:ext uri="{91240B29-F687-4f45-9708-019B960494DF}">
-                  <a14:hiddenLine xmlns="" xmlns:a14="http://schemas.microsoft.com/office/drawing/2010/main" w="9525">
+                  <a14:hiddenLine xmlns:a14="http://schemas.microsoft.com/office/drawing/2010/main" xmlns="" w="9525">
                     <a:solidFill>
                       <a:srgbClr val="000000"/>
                     </a:solidFill>
@@ -13432,7 +13432,7 @@
               </a:ln>
               <a:extLst>
                 <a:ext uri="{91240B29-F687-4f45-9708-019B960494DF}">
-                  <a14:hiddenLine xmlns="" xmlns:a14="http://schemas.microsoft.com/office/drawing/2010/main" w="9525">
+                  <a14:hiddenLine xmlns:a14="http://schemas.microsoft.com/office/drawing/2010/main" xmlns="" w="9525">
                     <a:solidFill>
                       <a:srgbClr val="000000"/>
                     </a:solidFill>
@@ -13522,7 +13522,7 @@
               </a:ln>
               <a:extLst>
                 <a:ext uri="{91240B29-F687-4f45-9708-019B960494DF}">
-                  <a14:hiddenLine xmlns="" xmlns:a14="http://schemas.microsoft.com/office/drawing/2010/main" w="9525">
+                  <a14:hiddenLine xmlns:a14="http://schemas.microsoft.com/office/drawing/2010/main" xmlns="" w="9525">
                     <a:solidFill>
                       <a:srgbClr val="000000"/>
                     </a:solidFill>
@@ -13587,7 +13587,7 @@
               </a:ln>
               <a:extLst>
                 <a:ext uri="{91240B29-F687-4f45-9708-019B960494DF}">
-                  <a14:hiddenLine xmlns="" xmlns:a14="http://schemas.microsoft.com/office/drawing/2010/main" w="9525">
+                  <a14:hiddenLine xmlns:a14="http://schemas.microsoft.com/office/drawing/2010/main" xmlns="" w="9525">
                     <a:solidFill>
                       <a:srgbClr val="000000"/>
                     </a:solidFill>
@@ -13707,7 +13707,7 @@
               </a:ln>
               <a:extLst>
                 <a:ext uri="{91240B29-F687-4f45-9708-019B960494DF}">
-                  <a14:hiddenLine xmlns="" xmlns:a14="http://schemas.microsoft.com/office/drawing/2010/main" w="9525">
+                  <a14:hiddenLine xmlns:a14="http://schemas.microsoft.com/office/drawing/2010/main" xmlns="" w="9525">
                     <a:solidFill>
                       <a:srgbClr val="000000"/>
                     </a:solidFill>
@@ -13805,7 +13805,7 @@
               </a:ln>
               <a:extLst>
                 <a:ext uri="{91240B29-F687-4f45-9708-019B960494DF}">
-                  <a14:hiddenLine xmlns="" xmlns:a14="http://schemas.microsoft.com/office/drawing/2010/main" w="9525">
+                  <a14:hiddenLine xmlns:a14="http://schemas.microsoft.com/office/drawing/2010/main" xmlns="" w="9525">
                     <a:solidFill>
                       <a:srgbClr val="000000"/>
                     </a:solidFill>
@@ -13920,7 +13920,7 @@
               </a:ln>
               <a:extLst>
                 <a:ext uri="{91240B29-F687-4f45-9708-019B960494DF}">
-                  <a14:hiddenLine xmlns="" xmlns:a14="http://schemas.microsoft.com/office/drawing/2010/main" w="9525">
+                  <a14:hiddenLine xmlns:a14="http://schemas.microsoft.com/office/drawing/2010/main" xmlns="" w="9525">
                     <a:solidFill>
                       <a:srgbClr val="000000"/>
                     </a:solidFill>
@@ -14010,7 +14010,7 @@
               </a:ln>
               <a:extLst>
                 <a:ext uri="{91240B29-F687-4f45-9708-019B960494DF}">
-                  <a14:hiddenLine xmlns="" xmlns:a14="http://schemas.microsoft.com/office/drawing/2010/main" w="9525">
+                  <a14:hiddenLine xmlns:a14="http://schemas.microsoft.com/office/drawing/2010/main" xmlns="" w="9525">
                     <a:solidFill>
                       <a:srgbClr val="000000"/>
                     </a:solidFill>
@@ -14075,7 +14075,7 @@
               </a:ln>
               <a:extLst>
                 <a:ext uri="{91240B29-F687-4f45-9708-019B960494DF}">
-                  <a14:hiddenLine xmlns="" xmlns:a14="http://schemas.microsoft.com/office/drawing/2010/main" w="9525">
+                  <a14:hiddenLine xmlns:a14="http://schemas.microsoft.com/office/drawing/2010/main" xmlns="" w="9525">
                     <a:solidFill>
                       <a:srgbClr val="000000"/>
                     </a:solidFill>
@@ -14165,7 +14165,7 @@
               </a:ln>
               <a:extLst>
                 <a:ext uri="{91240B29-F687-4f45-9708-019B960494DF}">
-                  <a14:hiddenLine xmlns="" xmlns:a14="http://schemas.microsoft.com/office/drawing/2010/main" w="9525">
+                  <a14:hiddenLine xmlns:a14="http://schemas.microsoft.com/office/drawing/2010/main" xmlns="" w="9525">
                     <a:solidFill>
                       <a:srgbClr val="000000"/>
                     </a:solidFill>
@@ -14233,7 +14233,7 @@
               </a:ln>
               <a:extLst>
                 <a:ext uri="{91240B29-F687-4f45-9708-019B960494DF}">
-                  <a14:hiddenLine xmlns="" xmlns:a14="http://schemas.microsoft.com/office/drawing/2010/main" w="9525">
+                  <a14:hiddenLine xmlns:a14="http://schemas.microsoft.com/office/drawing/2010/main" xmlns="" w="9525">
                     <a:solidFill>
                       <a:srgbClr val="000000"/>
                     </a:solidFill>
@@ -14323,7 +14323,7 @@
               </a:ln>
               <a:extLst>
                 <a:ext uri="{91240B29-F687-4f45-9708-019B960494DF}">
-                  <a14:hiddenLine xmlns="" xmlns:a14="http://schemas.microsoft.com/office/drawing/2010/main" w="9525">
+                  <a14:hiddenLine xmlns:a14="http://schemas.microsoft.com/office/drawing/2010/main" xmlns="" w="9525">
                     <a:solidFill>
                       <a:srgbClr val="000000"/>
                     </a:solidFill>
@@ -14391,7 +14391,7 @@
               </a:ln>
               <a:extLst>
                 <a:ext uri="{91240B29-F687-4f45-9708-019B960494DF}">
-                  <a14:hiddenLine xmlns="" xmlns:a14="http://schemas.microsoft.com/office/drawing/2010/main" w="9525">
+                  <a14:hiddenLine xmlns:a14="http://schemas.microsoft.com/office/drawing/2010/main" xmlns="" w="9525">
                     <a:solidFill>
                       <a:srgbClr val="000000"/>
                     </a:solidFill>
@@ -14481,7 +14481,7 @@
               </a:ln>
               <a:extLst>
                 <a:ext uri="{91240B29-F687-4f45-9708-019B960494DF}">
-                  <a14:hiddenLine xmlns="" xmlns:a14="http://schemas.microsoft.com/office/drawing/2010/main" w="9525">
+                  <a14:hiddenLine xmlns:a14="http://schemas.microsoft.com/office/drawing/2010/main" xmlns="" w="9525">
                     <a:solidFill>
                       <a:srgbClr val="000000"/>
                     </a:solidFill>
@@ -14515,7 +14515,7 @@
               </a:ln>
               <a:extLst>
                 <a:ext uri="{91240B29-F687-4f45-9708-019B960494DF}">
-                  <a14:hiddenLine xmlns="" xmlns:a14="http://schemas.microsoft.com/office/drawing/2010/main" w="9525">
+                  <a14:hiddenLine xmlns:a14="http://schemas.microsoft.com/office/drawing/2010/main" xmlns="" w="9525">
                     <a:solidFill>
                       <a:srgbClr val="000000"/>
                     </a:solidFill>
@@ -14655,7 +14655,7 @@
           <a:p>
             <a:fld id="{D53C38B0-4F3C-49B8-8CAC-02B41E069EF2}" type="datetimeFigureOut">
               <a:rPr lang="es-ES" smtClean="0"/>
-              <a:t>22/09/2021</a:t>
+              <a:t>14/10/2021</a:t>
             </a:fld>
             <a:endParaRPr lang="es-ES"/>
           </a:p>
@@ -15111,7 +15111,7 @@
                 </a:solidFill>
                 <a:latin typeface="Avenir Next" panose="020B0503020202020204" pitchFamily="34" charset="0"/>
               </a:rPr>
-              <a:t>Core Workshop 4</a:t>
+              <a:t>Core Workshop </a:t>
             </a:r>
             <a:r>
               <a:rPr lang="en-US" sz="3600" cap="none" dirty="0" smtClean="0">
@@ -15120,7 +15120,16 @@
                 </a:solidFill>
                 <a:latin typeface="Avenir Next" panose="020B0503020202020204" pitchFamily="34" charset="0"/>
               </a:rPr>
-              <a:t>: Polynomial Regression</a:t>
+              <a:t>3: </a:t>
+            </a:r>
+            <a:r>
+              <a:rPr lang="en-US" sz="3600" cap="none" dirty="0" smtClean="0">
+                <a:solidFill>
+                  <a:srgbClr val="000000"/>
+                </a:solidFill>
+                <a:latin typeface="Avenir Next" panose="020B0503020202020204" pitchFamily="34" charset="0"/>
+              </a:rPr>
+              <a:t>Polynomial Regression</a:t>
             </a:r>
             <a:endParaRPr lang="en-US" sz="3600" cap="none" dirty="0">
               <a:solidFill>
